--- a/05.Permissions/05-PermissionsAndAccessControlLists.pptx
+++ b/05.Permissions/05-PermissionsAndAccessControlLists.pptx
@@ -311,7 +311,7 @@
           <a:p>
             <a:fld id="{3EA744D9-3FBE-48D8-BF2A-85DF203E4D20}" type="datetimeFigureOut">
               <a:rPr lang="bg-BG" smtClean="0"/>
-              <a:t>5.04.17 г.</a:t>
+              <a:t>10.04.17 г.</a:t>
             </a:fld>
             <a:endParaRPr lang="bg-BG"/>
           </a:p>
@@ -481,7 +481,7 @@
           <a:p>
             <a:fld id="{3EA744D9-3FBE-48D8-BF2A-85DF203E4D20}" type="datetimeFigureOut">
               <a:rPr lang="bg-BG" smtClean="0"/>
-              <a:t>5.04.17 г.</a:t>
+              <a:t>10.04.17 г.</a:t>
             </a:fld>
             <a:endParaRPr lang="bg-BG"/>
           </a:p>
@@ -661,7 +661,7 @@
           <a:p>
             <a:fld id="{3EA744D9-3FBE-48D8-BF2A-85DF203E4D20}" type="datetimeFigureOut">
               <a:rPr lang="bg-BG" smtClean="0"/>
-              <a:t>5.04.17 г.</a:t>
+              <a:t>10.04.17 г.</a:t>
             </a:fld>
             <a:endParaRPr lang="bg-BG"/>
           </a:p>
@@ -831,7 +831,7 @@
           <a:p>
             <a:fld id="{3EA744D9-3FBE-48D8-BF2A-85DF203E4D20}" type="datetimeFigureOut">
               <a:rPr lang="bg-BG" smtClean="0"/>
-              <a:t>5.04.17 г.</a:t>
+              <a:t>10.04.17 г.</a:t>
             </a:fld>
             <a:endParaRPr lang="bg-BG"/>
           </a:p>
@@ -1077,7 +1077,7 @@
           <a:p>
             <a:fld id="{3EA744D9-3FBE-48D8-BF2A-85DF203E4D20}" type="datetimeFigureOut">
               <a:rPr lang="bg-BG" smtClean="0"/>
-              <a:t>5.04.17 г.</a:t>
+              <a:t>10.04.17 г.</a:t>
             </a:fld>
             <a:endParaRPr lang="bg-BG"/>
           </a:p>
@@ -1365,7 +1365,7 @@
           <a:p>
             <a:fld id="{3EA744D9-3FBE-48D8-BF2A-85DF203E4D20}" type="datetimeFigureOut">
               <a:rPr lang="bg-BG" smtClean="0"/>
-              <a:t>5.04.17 г.</a:t>
+              <a:t>10.04.17 г.</a:t>
             </a:fld>
             <a:endParaRPr lang="bg-BG"/>
           </a:p>
@@ -1787,7 +1787,7 @@
           <a:p>
             <a:fld id="{3EA744D9-3FBE-48D8-BF2A-85DF203E4D20}" type="datetimeFigureOut">
               <a:rPr lang="bg-BG" smtClean="0"/>
-              <a:t>5.04.17 г.</a:t>
+              <a:t>10.04.17 г.</a:t>
             </a:fld>
             <a:endParaRPr lang="bg-BG"/>
           </a:p>
@@ -1905,7 +1905,7 @@
           <a:p>
             <a:fld id="{3EA744D9-3FBE-48D8-BF2A-85DF203E4D20}" type="datetimeFigureOut">
               <a:rPr lang="bg-BG" smtClean="0"/>
-              <a:t>5.04.17 г.</a:t>
+              <a:t>10.04.17 г.</a:t>
             </a:fld>
             <a:endParaRPr lang="bg-BG"/>
           </a:p>
@@ -2000,7 +2000,7 @@
           <a:p>
             <a:fld id="{3EA744D9-3FBE-48D8-BF2A-85DF203E4D20}" type="datetimeFigureOut">
               <a:rPr lang="bg-BG" smtClean="0"/>
-              <a:t>5.04.17 г.</a:t>
+              <a:t>10.04.17 г.</a:t>
             </a:fld>
             <a:endParaRPr lang="bg-BG"/>
           </a:p>
@@ -2277,7 +2277,7 @@
           <a:p>
             <a:fld id="{3EA744D9-3FBE-48D8-BF2A-85DF203E4D20}" type="datetimeFigureOut">
               <a:rPr lang="bg-BG" smtClean="0"/>
-              <a:t>5.04.17 г.</a:t>
+              <a:t>10.04.17 г.</a:t>
             </a:fld>
             <a:endParaRPr lang="bg-BG"/>
           </a:p>
@@ -2530,7 +2530,7 @@
           <a:p>
             <a:fld id="{3EA744D9-3FBE-48D8-BF2A-85DF203E4D20}" type="datetimeFigureOut">
               <a:rPr lang="bg-BG" smtClean="0"/>
-              <a:t>5.04.17 г.</a:t>
+              <a:t>10.04.17 г.</a:t>
             </a:fld>
             <a:endParaRPr lang="bg-BG"/>
           </a:p>
@@ -2752,7 +2752,7 @@
           <a:p>
             <a:fld id="{3EA744D9-3FBE-48D8-BF2A-85DF203E4D20}" type="datetimeFigureOut">
               <a:rPr lang="bg-BG" smtClean="0"/>
-              <a:t>5.04.17 г.</a:t>
+              <a:t>10.04.17 г.</a:t>
             </a:fld>
             <a:endParaRPr lang="bg-BG"/>
           </a:p>
@@ -3305,15 +3305,7 @@
                   <a:schemeClr val="accent6"/>
                 </a:solidFill>
               </a:rPr>
-              <a:t>On </a:t>
-            </a:r>
-            <a:r>
-              <a:rPr lang="en-US" sz="3100" dirty="0" smtClean="0">
-                <a:solidFill>
-                  <a:schemeClr val="accent6"/>
-                </a:solidFill>
-              </a:rPr>
-              <a:t>Linux, every file and every directory has two owners: a user and a group. These owners are set when a file or a directory is created. On creation, the user who creates the file becomes the user owner, and the primary group of that user becomes the group owner. </a:t>
+              <a:t>On Linux, every file and every directory has two owners: a user and a group. These owners are set when a file or a directory is created. On creation, the user who creates the file becomes the user owner, and the primary group of that user becomes the group owner. </a:t>
             </a:r>
             <a:br>
               <a:rPr lang="en-US" sz="3100" dirty="0" smtClean="0">
@@ -3427,7 +3419,23 @@
                   <a:schemeClr val="accent6"/>
                 </a:solidFill>
               </a:rPr>
-              <a:t>2. List it’s permissions.</a:t>
+              <a:t>2. List </a:t>
+            </a:r>
+            <a:r>
+              <a:rPr lang="en-US" sz="2200" dirty="0" smtClean="0">
+                <a:solidFill>
+                  <a:schemeClr val="accent6"/>
+                </a:solidFill>
+              </a:rPr>
+              <a:t>its </a:t>
+            </a:r>
+            <a:r>
+              <a:rPr lang="en-US" sz="2200" dirty="0" smtClean="0">
+                <a:solidFill>
+                  <a:schemeClr val="accent6"/>
+                </a:solidFill>
+              </a:rPr>
+              <a:t>permissions.</a:t>
             </a:r>
             <a:r>
               <a:rPr lang="en-US" sz="2200" dirty="0">
@@ -3465,15 +3473,7 @@
                   <a:schemeClr val="bg1"/>
                 </a:solidFill>
               </a:rPr>
-              <a:t>4. </a:t>
-            </a:r>
-            <a:r>
-              <a:rPr lang="en-US" sz="2200" dirty="0" smtClean="0">
-                <a:solidFill>
-                  <a:schemeClr val="bg1"/>
-                </a:solidFill>
-              </a:rPr>
-              <a:t>Do</a:t>
+              <a:t>4. Do</a:t>
             </a:r>
             <a:endParaRPr lang="bg-BG" dirty="0">
               <a:solidFill>
@@ -5831,7 +5831,7 @@
             <a:r>
               <a:rPr lang="en-US" sz="3100" dirty="0" err="1" smtClean="0">
                 <a:solidFill>
-                  <a:schemeClr val="accent6"/>
+                  <a:schemeClr val="bg1"/>
                 </a:solidFill>
               </a:rPr>
               <a:t>umask</a:t>
@@ -5862,7 +5862,7 @@
             <a:r>
               <a:rPr lang="en-US" sz="3100" dirty="0" err="1" smtClean="0">
                 <a:solidFill>
-                  <a:schemeClr val="accent6"/>
+                  <a:schemeClr val="bg1"/>
                 </a:solidFill>
               </a:rPr>
               <a:t>umask</a:t>
@@ -5893,7 +5893,7 @@
             <a:r>
               <a:rPr lang="en-US" sz="3100" dirty="0" err="1" smtClean="0">
                 <a:solidFill>
-                  <a:schemeClr val="accent6"/>
+                  <a:schemeClr val="bg1"/>
                 </a:solidFill>
               </a:rPr>
               <a:t>umask</a:t>
@@ -5924,7 +5924,7 @@
             <a:r>
               <a:rPr lang="en-US" sz="3100" dirty="0" err="1" smtClean="0">
                 <a:solidFill>
-                  <a:schemeClr val="accent6"/>
+                  <a:schemeClr val="bg1"/>
                 </a:solidFill>
               </a:rPr>
               <a:t>umask</a:t>
@@ -6002,7 +6002,7 @@
         </p:nvSpPr>
         <p:spPr>
           <a:xfrm>
-            <a:off x="838200" y="685800"/>
+            <a:off x="533400" y="762000"/>
             <a:ext cx="8229600" cy="1143000"/>
           </a:xfrm>
         </p:spPr>
@@ -6465,10 +6465,18 @@
             <a:r>
               <a:rPr lang="en-US" sz="2400" dirty="0" smtClean="0">
                 <a:solidFill>
-                  <a:schemeClr val="accent6"/>
-                </a:solidFill>
-              </a:rPr>
-              <a:t>ACL ( Access Control Lists ) =&gt; a way to add user-extended permissions.</a:t>
+                  <a:schemeClr val="bg1"/>
+                </a:solidFill>
+              </a:rPr>
+              <a:t>ACL</a:t>
+            </a:r>
+            <a:r>
+              <a:rPr lang="en-US" sz="2400" dirty="0" smtClean="0">
+                <a:solidFill>
+                  <a:schemeClr val="accent6"/>
+                </a:solidFill>
+              </a:rPr>
+              <a:t> ( Access Control Lists ) =&gt; a way to add user-extended permissions.</a:t>
             </a:r>
             <a:r>
               <a:rPr lang="en-US" sz="2400" dirty="0">
@@ -6734,89 +6742,121 @@
               <a:t> /data/account and /data/sales. </a:t>
             </a:r>
             <a:r>
+              <a:rPr lang="en-US" sz="2000" dirty="0" smtClean="0">
+                <a:solidFill>
+                  <a:schemeClr val="accent6"/>
+                </a:solidFill>
+              </a:rPr>
+              <a:t>Make the group sales owner of the directory </a:t>
+            </a:r>
+            <a:r>
+              <a:rPr lang="en-US" sz="2000" dirty="0">
+                <a:solidFill>
+                  <a:schemeClr val="accent6"/>
+                </a:solidFill>
+              </a:rPr>
+              <a:t>sales, and make the group account owner of </a:t>
+            </a:r>
+            <a:r>
+              <a:rPr lang="en-US" sz="2000" dirty="0" smtClean="0">
+                <a:solidFill>
+                  <a:schemeClr val="accent6"/>
+                </a:solidFill>
+              </a:rPr>
+              <a:t>the </a:t>
+            </a:r>
+            <a:r>
+              <a:rPr lang="en-US" sz="2000" dirty="0">
+                <a:solidFill>
+                  <a:schemeClr val="accent6"/>
+                </a:solidFill>
+              </a:rPr>
+              <a:t>directory account.</a:t>
+            </a:r>
+            <a:br>
+              <a:rPr lang="en-US" sz="2000" dirty="0">
+                <a:solidFill>
+                  <a:schemeClr val="accent6"/>
+                </a:solidFill>
+              </a:rPr>
+            </a:br>
+            <a:r>
+              <a:rPr lang="en-US" sz="2000" dirty="0">
+                <a:solidFill>
+                  <a:schemeClr val="accent6"/>
+                </a:solidFill>
+              </a:rPr>
+              <a:t>2. Ensure that users are only allowed to remove files of which they are the owner. </a:t>
+            </a:r>
+            <a:br>
+              <a:rPr lang="en-US" sz="2000" dirty="0">
+                <a:solidFill>
+                  <a:schemeClr val="accent6"/>
+                </a:solidFill>
+              </a:rPr>
+            </a:br>
+            <a:r>
+              <a:rPr lang="en-US" sz="2000" dirty="0">
+                <a:solidFill>
+                  <a:schemeClr val="accent6"/>
+                </a:solidFill>
+              </a:rPr>
+              <a:t>3. Make the groups to be able to execute files.</a:t>
+            </a:r>
+            <a:br>
+              <a:rPr lang="en-US" sz="2000" dirty="0">
+                <a:solidFill>
+                  <a:schemeClr val="accent6"/>
+                </a:solidFill>
+              </a:rPr>
+            </a:br>
+            <a:r>
+              <a:rPr lang="en-US" sz="2000" dirty="0">
+                <a:solidFill>
+                  <a:schemeClr val="accent6"/>
+                </a:solidFill>
+              </a:rPr>
+              <a:t>4. Create simple bash </a:t>
+            </a:r>
+            <a:r>
+              <a:rPr lang="en-US" sz="2000" dirty="0" smtClean="0">
+                <a:solidFill>
+                  <a:schemeClr val="accent6"/>
+                </a:solidFill>
+              </a:rPr>
+              <a:t>script</a:t>
+            </a:r>
+            <a:r>
+              <a:rPr lang="en-US" sz="2000" dirty="0" smtClean="0">
+                <a:solidFill>
+                  <a:schemeClr val="accent6"/>
+                </a:solidFill>
+              </a:rPr>
+              <a:t> </a:t>
+            </a:r>
+            <a:r>
+              <a:rPr lang="en-US" sz="2000" dirty="0">
+                <a:solidFill>
+                  <a:schemeClr val="accent6"/>
+                </a:solidFill>
+              </a:rPr>
+              <a:t>( google search ) and try to </a:t>
+            </a:r>
+            <a:r>
+              <a:rPr lang="en-US" sz="2000">
+                <a:solidFill>
+                  <a:schemeClr val="accent6"/>
+                </a:solidFill>
+              </a:rPr>
+              <a:t>run </a:t>
+            </a:r>
+            <a:r>
               <a:rPr lang="en-US" sz="2000" smtClean="0">
                 <a:solidFill>
                   <a:schemeClr val="accent6"/>
                 </a:solidFill>
               </a:rPr>
-              <a:t>Make the group sales owner of the directory </a:t>
-            </a:r>
-            <a:r>
-              <a:rPr lang="en-US" sz="2000" dirty="0">
-                <a:solidFill>
-                  <a:schemeClr val="accent6"/>
-                </a:solidFill>
-              </a:rPr>
-              <a:t>sales, and make the group account owner </a:t>
-            </a:r>
-            <a:r>
-              <a:rPr lang="en-US" sz="2000">
-                <a:solidFill>
-                  <a:schemeClr val="accent6"/>
-                </a:solidFill>
-              </a:rPr>
-              <a:t>of </a:t>
-            </a:r>
-            <a:r>
-              <a:rPr lang="en-US" sz="2000" smtClean="0">
-                <a:solidFill>
-                  <a:schemeClr val="accent6"/>
-                </a:solidFill>
-              </a:rPr>
-              <a:t>the </a:t>
-            </a:r>
-            <a:r>
-              <a:rPr lang="en-US" sz="2000" dirty="0">
-                <a:solidFill>
-                  <a:schemeClr val="accent6"/>
-                </a:solidFill>
-              </a:rPr>
-              <a:t>directory account.</a:t>
-            </a:r>
-            <a:br>
-              <a:rPr lang="en-US" sz="2000" dirty="0">
-                <a:solidFill>
-                  <a:schemeClr val="accent6"/>
-                </a:solidFill>
-              </a:rPr>
-            </a:br>
-            <a:r>
-              <a:rPr lang="en-US" sz="2000" dirty="0">
-                <a:solidFill>
-                  <a:schemeClr val="accent6"/>
-                </a:solidFill>
-              </a:rPr>
-              <a:t>2. Ensure that users are only allowed to remove files of which they are the owner. </a:t>
-            </a:r>
-            <a:br>
-              <a:rPr lang="en-US" sz="2000" dirty="0">
-                <a:solidFill>
-                  <a:schemeClr val="accent6"/>
-                </a:solidFill>
-              </a:rPr>
-            </a:br>
-            <a:r>
-              <a:rPr lang="en-US" sz="2000" dirty="0">
-                <a:solidFill>
-                  <a:schemeClr val="accent6"/>
-                </a:solidFill>
-              </a:rPr>
-              <a:t>3. Make the groups to be able to execute files.</a:t>
-            </a:r>
-            <a:br>
-              <a:rPr lang="en-US" sz="2000" dirty="0">
-                <a:solidFill>
-                  <a:schemeClr val="accent6"/>
-                </a:solidFill>
-              </a:rPr>
-            </a:br>
-            <a:r>
-              <a:rPr lang="en-US" sz="2000" dirty="0">
-                <a:solidFill>
-                  <a:schemeClr val="accent6"/>
-                </a:solidFill>
-              </a:rPr>
-              <a:t>4. Create simple bash files ( google search ) and try to run them</a:t>
+              <a:t>it as a member of this group.</a:t>
             </a:r>
             <a:r>
               <a:rPr lang="en-US" sz="2000" dirty="0">

--- a/05.Permissions/05-PermissionsAndAccessControlLists.pptx
+++ b/05.Permissions/05-PermissionsAndAccessControlLists.pptx
@@ -4,6 +4,9 @@
   <p:sldMasterIdLst>
     <p:sldMasterId id="2147483648" r:id="rId1"/>
   </p:sldMasterIdLst>
+  <p:notesMasterIdLst>
+    <p:notesMasterId r:id="rId11"/>
+  </p:notesMasterIdLst>
   <p:sldIdLst>
     <p:sldId id="256" r:id="rId2"/>
     <p:sldId id="271" r:id="rId3"/>
@@ -13,6 +16,7 @@
     <p:sldId id="258" r:id="rId7"/>
     <p:sldId id="274" r:id="rId8"/>
     <p:sldId id="257" r:id="rId9"/>
+    <p:sldId id="275" r:id="rId10"/>
   </p:sldIdLst>
   <p:sldSz cx="9144000" cy="6858000" type="screen4x3"/>
   <p:notesSz cx="6858000" cy="9144000"/>
@@ -130,6 +134,356 @@
 </p:presentation>
 </file>
 
+<file path=ppt/notesMasters/notesMaster1.xml><?xml version="1.0" encoding="utf-8"?>
+<p:notesMaster xmlns:a="http://schemas.openxmlformats.org/drawingml/2006/main" xmlns:r="http://schemas.openxmlformats.org/officeDocument/2006/relationships" xmlns:p="http://schemas.openxmlformats.org/presentationml/2006/main">
+  <p:cSld>
+    <p:bg>
+      <p:bgRef idx="1001">
+        <a:schemeClr val="bg1"/>
+      </p:bgRef>
+    </p:bg>
+    <p:spTree>
+      <p:nvGrpSpPr>
+        <p:cNvPr id="1" name=""/>
+        <p:cNvGrpSpPr/>
+        <p:nvPr/>
+      </p:nvGrpSpPr>
+      <p:grpSpPr>
+        <a:xfrm>
+          <a:off x="0" y="0"/>
+          <a:ext cx="0" cy="0"/>
+          <a:chOff x="0" y="0"/>
+          <a:chExt cx="0" cy="0"/>
+        </a:xfrm>
+      </p:grpSpPr>
+      <p:sp>
+        <p:nvSpPr>
+          <p:cNvPr id="2" name="Header Placeholder 1"/>
+          <p:cNvSpPr>
+            <a:spLocks noGrp="1"/>
+          </p:cNvSpPr>
+          <p:nvPr>
+            <p:ph type="hdr" sz="quarter"/>
+          </p:nvPr>
+        </p:nvSpPr>
+        <p:spPr>
+          <a:xfrm>
+            <a:off x="0" y="0"/>
+            <a:ext cx="2971800" cy="458788"/>
+          </a:xfrm>
+          <a:prstGeom prst="rect">
+            <a:avLst/>
+          </a:prstGeom>
+        </p:spPr>
+        <p:txBody>
+          <a:bodyPr vert="horz" lIns="91440" tIns="45720" rIns="91440" bIns="45720" rtlCol="0"/>
+          <a:lstStyle>
+            <a:lvl1pPr algn="l">
+              <a:defRPr sz="1200"/>
+            </a:lvl1pPr>
+          </a:lstStyle>
+          <a:p>
+            <a:endParaRPr lang="en-US"/>
+          </a:p>
+        </p:txBody>
+      </p:sp>
+      <p:sp>
+        <p:nvSpPr>
+          <p:cNvPr id="3" name="Date Placeholder 2"/>
+          <p:cNvSpPr>
+            <a:spLocks noGrp="1"/>
+          </p:cNvSpPr>
+          <p:nvPr>
+            <p:ph type="dt" idx="1"/>
+          </p:nvPr>
+        </p:nvSpPr>
+        <p:spPr>
+          <a:xfrm>
+            <a:off x="3884613" y="0"/>
+            <a:ext cx="2971800" cy="458788"/>
+          </a:xfrm>
+          <a:prstGeom prst="rect">
+            <a:avLst/>
+          </a:prstGeom>
+        </p:spPr>
+        <p:txBody>
+          <a:bodyPr vert="horz" lIns="91440" tIns="45720" rIns="91440" bIns="45720" rtlCol="0"/>
+          <a:lstStyle>
+            <a:lvl1pPr algn="r">
+              <a:defRPr sz="1200"/>
+            </a:lvl1pPr>
+          </a:lstStyle>
+          <a:p>
+            <a:fld id="{7E97225E-8DE6-A54A-938D-FB6D5253CC3F}" type="datetimeFigureOut">
+              <a:rPr lang="en-US" smtClean="0"/>
+              <a:t>4/13/17</a:t>
+            </a:fld>
+            <a:endParaRPr lang="en-US"/>
+          </a:p>
+        </p:txBody>
+      </p:sp>
+      <p:sp>
+        <p:nvSpPr>
+          <p:cNvPr id="4" name="Slide Image Placeholder 3"/>
+          <p:cNvSpPr>
+            <a:spLocks noGrp="1" noRot="1" noChangeAspect="1"/>
+          </p:cNvSpPr>
+          <p:nvPr>
+            <p:ph type="sldImg" idx="2"/>
+          </p:nvPr>
+        </p:nvSpPr>
+        <p:spPr>
+          <a:xfrm>
+            <a:off x="1371600" y="1143000"/>
+            <a:ext cx="4114800" cy="3086100"/>
+          </a:xfrm>
+          <a:prstGeom prst="rect">
+            <a:avLst/>
+          </a:prstGeom>
+          <a:noFill/>
+          <a:ln w="12700">
+            <a:solidFill>
+              <a:prstClr val="black"/>
+            </a:solidFill>
+          </a:ln>
+        </p:spPr>
+        <p:txBody>
+          <a:bodyPr vert="horz" lIns="91440" tIns="45720" rIns="91440" bIns="45720" rtlCol="0" anchor="ctr"/>
+          <a:lstStyle/>
+          <a:p>
+            <a:endParaRPr lang="en-US"/>
+          </a:p>
+        </p:txBody>
+      </p:sp>
+      <p:sp>
+        <p:nvSpPr>
+          <p:cNvPr id="5" name="Notes Placeholder 4"/>
+          <p:cNvSpPr>
+            <a:spLocks noGrp="1"/>
+          </p:cNvSpPr>
+          <p:nvPr>
+            <p:ph type="body" sz="quarter" idx="3"/>
+          </p:nvPr>
+        </p:nvSpPr>
+        <p:spPr>
+          <a:xfrm>
+            <a:off x="685800" y="4400550"/>
+            <a:ext cx="5486400" cy="3600450"/>
+          </a:xfrm>
+          <a:prstGeom prst="rect">
+            <a:avLst/>
+          </a:prstGeom>
+        </p:spPr>
+        <p:txBody>
+          <a:bodyPr vert="horz" lIns="91440" tIns="45720" rIns="91440" bIns="45720" rtlCol="0"/>
+          <a:lstStyle/>
+          <a:p>
+            <a:pPr lvl="0"/>
+            <a:r>
+              <a:rPr lang="en-US" smtClean="0"/>
+              <a:t>Click to edit Master text styles</a:t>
+            </a:r>
+          </a:p>
+          <a:p>
+            <a:pPr lvl="1"/>
+            <a:r>
+              <a:rPr lang="en-US" smtClean="0"/>
+              <a:t>Second level</a:t>
+            </a:r>
+          </a:p>
+          <a:p>
+            <a:pPr lvl="2"/>
+            <a:r>
+              <a:rPr lang="en-US" smtClean="0"/>
+              <a:t>Third level</a:t>
+            </a:r>
+          </a:p>
+          <a:p>
+            <a:pPr lvl="3"/>
+            <a:r>
+              <a:rPr lang="en-US" smtClean="0"/>
+              <a:t>Fourth level</a:t>
+            </a:r>
+          </a:p>
+          <a:p>
+            <a:pPr lvl="4"/>
+            <a:r>
+              <a:rPr lang="en-US" smtClean="0"/>
+              <a:t>Fifth level</a:t>
+            </a:r>
+            <a:endParaRPr lang="en-US"/>
+          </a:p>
+        </p:txBody>
+      </p:sp>
+      <p:sp>
+        <p:nvSpPr>
+          <p:cNvPr id="6" name="Footer Placeholder 5"/>
+          <p:cNvSpPr>
+            <a:spLocks noGrp="1"/>
+          </p:cNvSpPr>
+          <p:nvPr>
+            <p:ph type="ftr" sz="quarter" idx="4"/>
+          </p:nvPr>
+        </p:nvSpPr>
+        <p:spPr>
+          <a:xfrm>
+            <a:off x="0" y="8685213"/>
+            <a:ext cx="2971800" cy="458787"/>
+          </a:xfrm>
+          <a:prstGeom prst="rect">
+            <a:avLst/>
+          </a:prstGeom>
+        </p:spPr>
+        <p:txBody>
+          <a:bodyPr vert="horz" lIns="91440" tIns="45720" rIns="91440" bIns="45720" rtlCol="0" anchor="b"/>
+          <a:lstStyle>
+            <a:lvl1pPr algn="l">
+              <a:defRPr sz="1200"/>
+            </a:lvl1pPr>
+          </a:lstStyle>
+          <a:p>
+            <a:endParaRPr lang="en-US"/>
+          </a:p>
+        </p:txBody>
+      </p:sp>
+      <p:sp>
+        <p:nvSpPr>
+          <p:cNvPr id="7" name="Slide Number Placeholder 6"/>
+          <p:cNvSpPr>
+            <a:spLocks noGrp="1"/>
+          </p:cNvSpPr>
+          <p:nvPr>
+            <p:ph type="sldNum" sz="quarter" idx="5"/>
+          </p:nvPr>
+        </p:nvSpPr>
+        <p:spPr>
+          <a:xfrm>
+            <a:off x="3884613" y="8685213"/>
+            <a:ext cx="2971800" cy="458787"/>
+          </a:xfrm>
+          <a:prstGeom prst="rect">
+            <a:avLst/>
+          </a:prstGeom>
+        </p:spPr>
+        <p:txBody>
+          <a:bodyPr vert="horz" lIns="91440" tIns="45720" rIns="91440" bIns="45720" rtlCol="0" anchor="b"/>
+          <a:lstStyle>
+            <a:lvl1pPr algn="r">
+              <a:defRPr sz="1200"/>
+            </a:lvl1pPr>
+          </a:lstStyle>
+          <a:p>
+            <a:fld id="{7B5E4F94-E9B3-BE4A-9740-48BEC8B7462F}" type="slidenum">
+              <a:rPr lang="en-US" smtClean="0"/>
+              <a:t>‹#›</a:t>
+            </a:fld>
+            <a:endParaRPr lang="en-US"/>
+          </a:p>
+        </p:txBody>
+      </p:sp>
+    </p:spTree>
+    <p:extLst>
+      <p:ext uri="{BB962C8B-B14F-4D97-AF65-F5344CB8AC3E}">
+        <p14:creationId xmlns:p14="http://schemas.microsoft.com/office/powerpoint/2010/main" val="996772126"/>
+      </p:ext>
+    </p:extLst>
+  </p:cSld>
+  <p:clrMap bg1="lt1" tx1="dk1" bg2="lt2" tx2="dk2" accent1="accent1" accent2="accent2" accent3="accent3" accent4="accent4" accent5="accent5" accent6="accent6" hlink="hlink" folHlink="folHlink"/>
+  <p:notesStyle>
+    <a:lvl1pPr marL="0" algn="l" defTabSz="914400" rtl="0" eaLnBrk="1" latinLnBrk="0" hangingPunct="1">
+      <a:defRPr sz="1200" kern="1200">
+        <a:solidFill>
+          <a:schemeClr val="tx1"/>
+        </a:solidFill>
+        <a:latin typeface="+mn-lt"/>
+        <a:ea typeface="+mn-ea"/>
+        <a:cs typeface="+mn-cs"/>
+      </a:defRPr>
+    </a:lvl1pPr>
+    <a:lvl2pPr marL="457200" algn="l" defTabSz="914400" rtl="0" eaLnBrk="1" latinLnBrk="0" hangingPunct="1">
+      <a:defRPr sz="1200" kern="1200">
+        <a:solidFill>
+          <a:schemeClr val="tx1"/>
+        </a:solidFill>
+        <a:latin typeface="+mn-lt"/>
+        <a:ea typeface="+mn-ea"/>
+        <a:cs typeface="+mn-cs"/>
+      </a:defRPr>
+    </a:lvl2pPr>
+    <a:lvl3pPr marL="914400" algn="l" defTabSz="914400" rtl="0" eaLnBrk="1" latinLnBrk="0" hangingPunct="1">
+      <a:defRPr sz="1200" kern="1200">
+        <a:solidFill>
+          <a:schemeClr val="tx1"/>
+        </a:solidFill>
+        <a:latin typeface="+mn-lt"/>
+        <a:ea typeface="+mn-ea"/>
+        <a:cs typeface="+mn-cs"/>
+      </a:defRPr>
+    </a:lvl3pPr>
+    <a:lvl4pPr marL="1371600" algn="l" defTabSz="914400" rtl="0" eaLnBrk="1" latinLnBrk="0" hangingPunct="1">
+      <a:defRPr sz="1200" kern="1200">
+        <a:solidFill>
+          <a:schemeClr val="tx1"/>
+        </a:solidFill>
+        <a:latin typeface="+mn-lt"/>
+        <a:ea typeface="+mn-ea"/>
+        <a:cs typeface="+mn-cs"/>
+      </a:defRPr>
+    </a:lvl4pPr>
+    <a:lvl5pPr marL="1828800" algn="l" defTabSz="914400" rtl="0" eaLnBrk="1" latinLnBrk="0" hangingPunct="1">
+      <a:defRPr sz="1200" kern="1200">
+        <a:solidFill>
+          <a:schemeClr val="tx1"/>
+        </a:solidFill>
+        <a:latin typeface="+mn-lt"/>
+        <a:ea typeface="+mn-ea"/>
+        <a:cs typeface="+mn-cs"/>
+      </a:defRPr>
+    </a:lvl5pPr>
+    <a:lvl6pPr marL="2286000" algn="l" defTabSz="914400" rtl="0" eaLnBrk="1" latinLnBrk="0" hangingPunct="1">
+      <a:defRPr sz="1200" kern="1200">
+        <a:solidFill>
+          <a:schemeClr val="tx1"/>
+        </a:solidFill>
+        <a:latin typeface="+mn-lt"/>
+        <a:ea typeface="+mn-ea"/>
+        <a:cs typeface="+mn-cs"/>
+      </a:defRPr>
+    </a:lvl6pPr>
+    <a:lvl7pPr marL="2743200" algn="l" defTabSz="914400" rtl="0" eaLnBrk="1" latinLnBrk="0" hangingPunct="1">
+      <a:defRPr sz="1200" kern="1200">
+        <a:solidFill>
+          <a:schemeClr val="tx1"/>
+        </a:solidFill>
+        <a:latin typeface="+mn-lt"/>
+        <a:ea typeface="+mn-ea"/>
+        <a:cs typeface="+mn-cs"/>
+      </a:defRPr>
+    </a:lvl7pPr>
+    <a:lvl8pPr marL="3200400" algn="l" defTabSz="914400" rtl="0" eaLnBrk="1" latinLnBrk="0" hangingPunct="1">
+      <a:defRPr sz="1200" kern="1200">
+        <a:solidFill>
+          <a:schemeClr val="tx1"/>
+        </a:solidFill>
+        <a:latin typeface="+mn-lt"/>
+        <a:ea typeface="+mn-ea"/>
+        <a:cs typeface="+mn-cs"/>
+      </a:defRPr>
+    </a:lvl8pPr>
+    <a:lvl9pPr marL="3657600" algn="l" defTabSz="914400" rtl="0" eaLnBrk="1" latinLnBrk="0" hangingPunct="1">
+      <a:defRPr sz="1200" kern="1200">
+        <a:solidFill>
+          <a:schemeClr val="tx1"/>
+        </a:solidFill>
+        <a:latin typeface="+mn-lt"/>
+        <a:ea typeface="+mn-ea"/>
+        <a:cs typeface="+mn-cs"/>
+      </a:defRPr>
+    </a:lvl9pPr>
+  </p:notesStyle>
+</p:notesMaster>
+</file>
+
 <file path=ppt/slideLayouts/slideLayout1.xml><?xml version="1.0" encoding="utf-8"?>
 <p:sldLayout xmlns:a="http://schemas.openxmlformats.org/drawingml/2006/main" xmlns:r="http://schemas.openxmlformats.org/officeDocument/2006/relationships" xmlns:p="http://schemas.openxmlformats.org/presentationml/2006/main" type="title" preserve="1">
   <p:cSld name="Title Slide">
@@ -311,7 +665,7 @@
           <a:p>
             <a:fld id="{3EA744D9-3FBE-48D8-BF2A-85DF203E4D20}" type="datetimeFigureOut">
               <a:rPr lang="bg-BG" smtClean="0"/>
-              <a:t>10.04.17 г.</a:t>
+              <a:t>13.04.17 г.</a:t>
             </a:fld>
             <a:endParaRPr lang="bg-BG"/>
           </a:p>
@@ -481,7 +835,7 @@
           <a:p>
             <a:fld id="{3EA744D9-3FBE-48D8-BF2A-85DF203E4D20}" type="datetimeFigureOut">
               <a:rPr lang="bg-BG" smtClean="0"/>
-              <a:t>10.04.17 г.</a:t>
+              <a:t>13.04.17 г.</a:t>
             </a:fld>
             <a:endParaRPr lang="bg-BG"/>
           </a:p>
@@ -661,7 +1015,7 @@
           <a:p>
             <a:fld id="{3EA744D9-3FBE-48D8-BF2A-85DF203E4D20}" type="datetimeFigureOut">
               <a:rPr lang="bg-BG" smtClean="0"/>
-              <a:t>10.04.17 г.</a:t>
+              <a:t>13.04.17 г.</a:t>
             </a:fld>
             <a:endParaRPr lang="bg-BG"/>
           </a:p>
@@ -831,7 +1185,7 @@
           <a:p>
             <a:fld id="{3EA744D9-3FBE-48D8-BF2A-85DF203E4D20}" type="datetimeFigureOut">
               <a:rPr lang="bg-BG" smtClean="0"/>
-              <a:t>10.04.17 г.</a:t>
+              <a:t>13.04.17 г.</a:t>
             </a:fld>
             <a:endParaRPr lang="bg-BG"/>
           </a:p>
@@ -1077,7 +1431,7 @@
           <a:p>
             <a:fld id="{3EA744D9-3FBE-48D8-BF2A-85DF203E4D20}" type="datetimeFigureOut">
               <a:rPr lang="bg-BG" smtClean="0"/>
-              <a:t>10.04.17 г.</a:t>
+              <a:t>13.04.17 г.</a:t>
             </a:fld>
             <a:endParaRPr lang="bg-BG"/>
           </a:p>
@@ -1365,7 +1719,7 @@
           <a:p>
             <a:fld id="{3EA744D9-3FBE-48D8-BF2A-85DF203E4D20}" type="datetimeFigureOut">
               <a:rPr lang="bg-BG" smtClean="0"/>
-              <a:t>10.04.17 г.</a:t>
+              <a:t>13.04.17 г.</a:t>
             </a:fld>
             <a:endParaRPr lang="bg-BG"/>
           </a:p>
@@ -1787,7 +2141,7 @@
           <a:p>
             <a:fld id="{3EA744D9-3FBE-48D8-BF2A-85DF203E4D20}" type="datetimeFigureOut">
               <a:rPr lang="bg-BG" smtClean="0"/>
-              <a:t>10.04.17 г.</a:t>
+              <a:t>13.04.17 г.</a:t>
             </a:fld>
             <a:endParaRPr lang="bg-BG"/>
           </a:p>
@@ -1905,7 +2259,7 @@
           <a:p>
             <a:fld id="{3EA744D9-3FBE-48D8-BF2A-85DF203E4D20}" type="datetimeFigureOut">
               <a:rPr lang="bg-BG" smtClean="0"/>
-              <a:t>10.04.17 г.</a:t>
+              <a:t>13.04.17 г.</a:t>
             </a:fld>
             <a:endParaRPr lang="bg-BG"/>
           </a:p>
@@ -2000,7 +2354,7 @@
           <a:p>
             <a:fld id="{3EA744D9-3FBE-48D8-BF2A-85DF203E4D20}" type="datetimeFigureOut">
               <a:rPr lang="bg-BG" smtClean="0"/>
-              <a:t>10.04.17 г.</a:t>
+              <a:t>13.04.17 г.</a:t>
             </a:fld>
             <a:endParaRPr lang="bg-BG"/>
           </a:p>
@@ -2277,7 +2631,7 @@
           <a:p>
             <a:fld id="{3EA744D9-3FBE-48D8-BF2A-85DF203E4D20}" type="datetimeFigureOut">
               <a:rPr lang="bg-BG" smtClean="0"/>
-              <a:t>10.04.17 г.</a:t>
+              <a:t>13.04.17 г.</a:t>
             </a:fld>
             <a:endParaRPr lang="bg-BG"/>
           </a:p>
@@ -2530,7 +2884,7 @@
           <a:p>
             <a:fld id="{3EA744D9-3FBE-48D8-BF2A-85DF203E4D20}" type="datetimeFigureOut">
               <a:rPr lang="bg-BG" smtClean="0"/>
-              <a:t>10.04.17 г.</a:t>
+              <a:t>13.04.17 г.</a:t>
             </a:fld>
             <a:endParaRPr lang="bg-BG"/>
           </a:p>
@@ -2752,7 +3106,7 @@
           <a:p>
             <a:fld id="{3EA744D9-3FBE-48D8-BF2A-85DF203E4D20}" type="datetimeFigureOut">
               <a:rPr lang="bg-BG" smtClean="0"/>
-              <a:t>10.04.17 г.</a:t>
+              <a:t>13.04.17 г.</a:t>
             </a:fld>
             <a:endParaRPr lang="bg-BG"/>
           </a:p>
@@ -3419,23 +3773,7 @@
                   <a:schemeClr val="accent6"/>
                 </a:solidFill>
               </a:rPr>
-              <a:t>2. List </a:t>
-            </a:r>
-            <a:r>
-              <a:rPr lang="en-US" sz="2200" dirty="0" smtClean="0">
-                <a:solidFill>
-                  <a:schemeClr val="accent6"/>
-                </a:solidFill>
-              </a:rPr>
-              <a:t>its </a:t>
-            </a:r>
-            <a:r>
-              <a:rPr lang="en-US" sz="2200" dirty="0" smtClean="0">
-                <a:solidFill>
-                  <a:schemeClr val="accent6"/>
-                </a:solidFill>
-              </a:rPr>
-              <a:t>permissions.</a:t>
+              <a:t>2. List its permissions.</a:t>
             </a:r>
             <a:r>
               <a:rPr lang="en-US" sz="2200" dirty="0">
@@ -4164,7 +4502,7 @@
             <a:r>
               <a:rPr lang="en-US" sz="2400" dirty="0" err="1" smtClean="0">
                 <a:solidFill>
-                  <a:schemeClr val="accent6"/>
+                  <a:schemeClr val="bg1"/>
                 </a:solidFill>
               </a:rPr>
               <a:t>chmod</a:t>
@@ -4643,52 +4981,179 @@
               </a:rPr>
             </a:br>
             <a:r>
-              <a:rPr lang="en-US" sz="2200" dirty="0" smtClean="0">
+              <a:rPr lang="en-US" sz="2000" dirty="0" smtClean="0">
                 <a:solidFill>
                   <a:schemeClr val="accent1"/>
                 </a:solidFill>
               </a:rPr>
-              <a:t>Special permissions</a:t>
-            </a:r>
-            <a:br>
-              <a:rPr lang="en-US" sz="2200" dirty="0" smtClean="0">
+              <a:t>Special </a:t>
+            </a:r>
+            <a:r>
+              <a:rPr lang="en-US" sz="2000" dirty="0" smtClean="0">
                 <a:solidFill>
                   <a:schemeClr val="accent1"/>
                 </a:solidFill>
               </a:rPr>
-            </a:br>
-            <a:r>
-              <a:rPr lang="en-US" sz="2200" dirty="0" smtClean="0">
-                <a:solidFill>
-                  <a:schemeClr val="accent6"/>
-                </a:solidFill>
-              </a:rPr>
-              <a:t>SUID/Set User Id  =&gt; a program is executed with the file owner’s permissions. Decimal value: 4.</a:t>
-            </a:r>
-            <a:br>
-              <a:rPr lang="en-US" sz="2200" dirty="0" smtClean="0">
-                <a:solidFill>
-                  <a:schemeClr val="accent6"/>
-                </a:solidFill>
-              </a:rPr>
-            </a:br>
-            <a:r>
-              <a:rPr lang="en-US" sz="2200" dirty="0" smtClean="0">
-                <a:solidFill>
-                  <a:schemeClr val="accent6"/>
-                </a:solidFill>
-              </a:rPr>
-              <a:t/>
-            </a:r>
-            <a:br>
-              <a:rPr lang="en-US" sz="2200" dirty="0" smtClean="0">
-                <a:solidFill>
-                  <a:schemeClr val="accent6"/>
-                </a:solidFill>
-              </a:rPr>
-            </a:br>
-            <a:r>
-              <a:rPr lang="en-US" sz="2200" dirty="0" smtClean="0">
+              <a:t>permissions</a:t>
+            </a:r>
+            <a:br>
+              <a:rPr lang="en-US" sz="2000" dirty="0" smtClean="0">
+                <a:solidFill>
+                  <a:schemeClr val="accent1"/>
+                </a:solidFill>
+              </a:rPr>
+            </a:br>
+            <a:r>
+              <a:rPr lang="en-US" sz="2000" dirty="0" smtClean="0">
+                <a:solidFill>
+                  <a:schemeClr val="accent6"/>
+                </a:solidFill>
+              </a:rPr>
+              <a:t>SUID/Set User Id  =&gt; a program is executed with the file owner’s permissions. Decimal value: 4</a:t>
+            </a:r>
+            <a:r>
+              <a:rPr lang="en-US" sz="2000" dirty="0" smtClean="0">
+                <a:solidFill>
+                  <a:schemeClr val="accent6"/>
+                </a:solidFill>
+              </a:rPr>
+              <a:t>.</a:t>
+            </a:r>
+            <a:br>
+              <a:rPr lang="en-US" sz="2000" dirty="0" smtClean="0">
+                <a:solidFill>
+                  <a:schemeClr val="accent6"/>
+                </a:solidFill>
+              </a:rPr>
+            </a:br>
+            <a:r>
+              <a:rPr lang="en-US" sz="2000" dirty="0" smtClean="0">
+                <a:solidFill>
+                  <a:schemeClr val="bg1"/>
+                </a:solidFill>
+              </a:rPr>
+              <a:t>ls </a:t>
+            </a:r>
+            <a:r>
+              <a:rPr lang="mr-IN" sz="2000" dirty="0" smtClean="0">
+                <a:solidFill>
+                  <a:schemeClr val="bg1"/>
+                </a:solidFill>
+              </a:rPr>
+              <a:t>–</a:t>
+            </a:r>
+            <a:r>
+              <a:rPr lang="en-US" sz="2000" dirty="0" smtClean="0">
+                <a:solidFill>
+                  <a:schemeClr val="bg1"/>
+                </a:solidFill>
+              </a:rPr>
+              <a:t>l /bin/</a:t>
+            </a:r>
+            <a:r>
+              <a:rPr lang="en-US" sz="2000" dirty="0" err="1" smtClean="0">
+                <a:solidFill>
+                  <a:schemeClr val="bg1"/>
+                </a:solidFill>
+              </a:rPr>
+              <a:t>passwd</a:t>
+            </a:r>
+            <a:r>
+              <a:rPr lang="en-US" sz="2000" dirty="0" smtClean="0">
+                <a:solidFill>
+                  <a:schemeClr val="accent6"/>
+                </a:solidFill>
+              </a:rPr>
+              <a:t>; </a:t>
+            </a:r>
+            <a:r>
+              <a:rPr lang="en-US" sz="2000" dirty="0" smtClean="0">
+                <a:solidFill>
+                  <a:schemeClr val="bg1"/>
+                </a:solidFill>
+              </a:rPr>
+              <a:t>ls </a:t>
+            </a:r>
+            <a:r>
+              <a:rPr lang="mr-IN" sz="2000" dirty="0" smtClean="0">
+                <a:solidFill>
+                  <a:schemeClr val="bg1"/>
+                </a:solidFill>
+              </a:rPr>
+              <a:t>–</a:t>
+            </a:r>
+            <a:r>
+              <a:rPr lang="en-US" sz="2000" dirty="0" smtClean="0">
+                <a:solidFill>
+                  <a:schemeClr val="bg1"/>
+                </a:solidFill>
+              </a:rPr>
+              <a:t>l /</a:t>
+            </a:r>
+            <a:r>
+              <a:rPr lang="en-US" sz="2000" dirty="0" err="1" smtClean="0">
+                <a:solidFill>
+                  <a:schemeClr val="bg1"/>
+                </a:solidFill>
+              </a:rPr>
+              <a:t>etc</a:t>
+            </a:r>
+            <a:r>
+              <a:rPr lang="en-US" sz="2000" dirty="0" smtClean="0">
+                <a:solidFill>
+                  <a:schemeClr val="bg1"/>
+                </a:solidFill>
+              </a:rPr>
+              <a:t>/</a:t>
+            </a:r>
+            <a:r>
+              <a:rPr lang="en-US" sz="2000" dirty="0" err="1" smtClean="0">
+                <a:solidFill>
+                  <a:schemeClr val="bg1"/>
+                </a:solidFill>
+              </a:rPr>
+              <a:t>passwd</a:t>
+            </a:r>
+            <a:r>
+              <a:rPr lang="en-US" sz="2000" dirty="0" smtClean="0">
+                <a:solidFill>
+                  <a:schemeClr val="accent6"/>
+                </a:solidFill>
+              </a:rPr>
+              <a:t>;</a:t>
+            </a:r>
+            <a:r>
+              <a:rPr lang="en-US" sz="2000" dirty="0" smtClean="0">
+                <a:solidFill>
+                  <a:schemeClr val="accent6"/>
+                </a:solidFill>
+              </a:rPr>
+              <a:t/>
+            </a:r>
+            <a:br>
+              <a:rPr lang="en-US" sz="2000" dirty="0" smtClean="0">
+                <a:solidFill>
+                  <a:schemeClr val="accent6"/>
+                </a:solidFill>
+              </a:rPr>
+            </a:br>
+            <a:r>
+              <a:rPr lang="en-US" sz="2000" dirty="0" smtClean="0">
+                <a:solidFill>
+                  <a:schemeClr val="accent6"/>
+                </a:solidFill>
+              </a:rPr>
+              <a:t/>
+            </a:r>
+            <a:br>
+              <a:rPr lang="en-US" sz="2000" dirty="0" smtClean="0">
+                <a:solidFill>
+                  <a:schemeClr val="accent6"/>
+                </a:solidFill>
+              </a:rPr>
+            </a:br>
+            <a:r>
+              <a:rPr lang="en-US" sz="2000" dirty="0" smtClean="0">
                 <a:solidFill>
                   <a:schemeClr val="accent6"/>
                 </a:solidFill>
@@ -4696,14 +5161,14 @@
               <a:t>SGID/Set Group Id =&gt; files created in the directory inherit it’s group id.</a:t>
             </a:r>
             <a:br>
-              <a:rPr lang="en-US" sz="2200" dirty="0" smtClean="0">
-                <a:solidFill>
-                  <a:schemeClr val="accent6"/>
-                </a:solidFill>
-              </a:rPr>
-            </a:br>
-            <a:r>
-              <a:rPr lang="en-US" sz="2200" dirty="0" smtClean="0">
+              <a:rPr lang="en-US" sz="2000" dirty="0" smtClean="0">
+                <a:solidFill>
+                  <a:schemeClr val="accent6"/>
+                </a:solidFill>
+              </a:rPr>
+            </a:br>
+            <a:r>
+              <a:rPr lang="en-US" sz="2000" dirty="0" smtClean="0">
                 <a:solidFill>
                   <a:schemeClr val="accent6"/>
                 </a:solidFill>
@@ -4711,14 +5176,14 @@
               <a:t>Decimal value: 2.</a:t>
             </a:r>
             <a:br>
-              <a:rPr lang="en-US" sz="2200" dirty="0" smtClean="0">
-                <a:solidFill>
-                  <a:schemeClr val="accent6"/>
-                </a:solidFill>
-              </a:rPr>
-            </a:br>
-            <a:r>
-              <a:rPr lang="en-US" sz="2200" dirty="0" smtClean="0">
+              <a:rPr lang="en-US" sz="2000" dirty="0" smtClean="0">
+                <a:solidFill>
+                  <a:schemeClr val="accent6"/>
+                </a:solidFill>
+              </a:rPr>
+            </a:br>
+            <a:r>
+              <a:rPr lang="en-US" sz="2000" dirty="0" smtClean="0">
                 <a:solidFill>
                   <a:schemeClr val="accent6"/>
                 </a:solidFill>
@@ -4726,44 +5191,107 @@
               <a:t>Sticky bit =&gt; any user can create files, but only the owner of the file can delete it.</a:t>
             </a:r>
             <a:br>
-              <a:rPr lang="en-US" sz="2200" dirty="0" smtClean="0">
-                <a:solidFill>
-                  <a:schemeClr val="accent6"/>
-                </a:solidFill>
-              </a:rPr>
-            </a:br>
-            <a:r>
-              <a:rPr lang="en-US" sz="2200" dirty="0" smtClean="0">
-                <a:solidFill>
-                  <a:schemeClr val="accent6"/>
-                </a:solidFill>
-              </a:rPr>
-              <a:t>Decimal value: 1.</a:t>
-            </a:r>
-            <a:br>
-              <a:rPr lang="en-US" sz="2200" dirty="0" smtClean="0">
-                <a:solidFill>
-                  <a:schemeClr val="accent6"/>
-                </a:solidFill>
-              </a:rPr>
-            </a:br>
-            <a:r>
-              <a:rPr lang="en-US" sz="2200" dirty="0">
-                <a:solidFill>
-                  <a:schemeClr val="accent6"/>
-                </a:solidFill>
-              </a:rPr>
-              <a:t/>
-            </a:r>
-            <a:br>
-              <a:rPr lang="en-US" sz="2200" dirty="0">
-                <a:solidFill>
-                  <a:schemeClr val="accent6"/>
-                </a:solidFill>
-              </a:rPr>
-            </a:br>
-            <a:r>
-              <a:rPr lang="en-US" sz="2200" dirty="0" smtClean="0">
+              <a:rPr lang="en-US" sz="2000" dirty="0" smtClean="0">
+                <a:solidFill>
+                  <a:schemeClr val="accent6"/>
+                </a:solidFill>
+              </a:rPr>
+            </a:br>
+            <a:r>
+              <a:rPr lang="en-US" sz="2000" dirty="0" smtClean="0">
+                <a:solidFill>
+                  <a:schemeClr val="accent6"/>
+                </a:solidFill>
+              </a:rPr>
+              <a:t>Decimal value: 1</a:t>
+            </a:r>
+            <a:r>
+              <a:rPr lang="en-US" sz="2000" dirty="0" smtClean="0">
+                <a:solidFill>
+                  <a:schemeClr val="accent6"/>
+                </a:solidFill>
+              </a:rPr>
+              <a:t>.</a:t>
+            </a:r>
+            <a:br>
+              <a:rPr lang="en-US" sz="2000" dirty="0" smtClean="0">
+                <a:solidFill>
+                  <a:schemeClr val="accent6"/>
+                </a:solidFill>
+              </a:rPr>
+            </a:br>
+            <a:r>
+              <a:rPr lang="en-US" sz="2000" dirty="0" smtClean="0">
+                <a:solidFill>
+                  <a:schemeClr val="bg1"/>
+                </a:solidFill>
+              </a:rPr>
+              <a:t>ls </a:t>
+            </a:r>
+            <a:r>
+              <a:rPr lang="mr-IN" sz="2000" dirty="0" smtClean="0">
+                <a:solidFill>
+                  <a:schemeClr val="bg1"/>
+                </a:solidFill>
+              </a:rPr>
+              <a:t>–</a:t>
+            </a:r>
+            <a:r>
+              <a:rPr lang="en-US" sz="2000" dirty="0" smtClean="0">
+                <a:solidFill>
+                  <a:schemeClr val="bg1"/>
+                </a:solidFill>
+              </a:rPr>
+              <a:t>l /</a:t>
+            </a:r>
+            <a:r>
+              <a:rPr lang="en-US" sz="2000" dirty="0" err="1" smtClean="0">
+                <a:solidFill>
+                  <a:schemeClr val="bg1"/>
+                </a:solidFill>
+              </a:rPr>
+              <a:t>tmp</a:t>
+            </a:r>
+            <a:r>
+              <a:rPr lang="en-US" sz="2000" dirty="0" smtClean="0">
+                <a:solidFill>
+                  <a:schemeClr val="accent6"/>
+                </a:solidFill>
+              </a:rPr>
+              <a:t>;</a:t>
+            </a:r>
+            <a:r>
+              <a:rPr lang="en-US" sz="2000" dirty="0" smtClean="0">
+                <a:solidFill>
+                  <a:schemeClr val="accent6"/>
+                </a:solidFill>
+              </a:rPr>
+              <a:t/>
+            </a:r>
+            <a:br>
+              <a:rPr lang="en-US" sz="2000" dirty="0" smtClean="0">
+                <a:solidFill>
+                  <a:schemeClr val="accent6"/>
+                </a:solidFill>
+              </a:rPr>
+            </a:br>
+            <a:r>
+              <a:rPr lang="en-US" sz="2000" dirty="0">
+                <a:solidFill>
+                  <a:schemeClr val="accent6"/>
+                </a:solidFill>
+              </a:rPr>
+              <a:t/>
+            </a:r>
+            <a:br>
+              <a:rPr lang="en-US" sz="2000" dirty="0">
+                <a:solidFill>
+                  <a:schemeClr val="accent6"/>
+                </a:solidFill>
+              </a:rPr>
+            </a:br>
+            <a:r>
+              <a:rPr lang="en-US" sz="2000" dirty="0" smtClean="0">
                 <a:solidFill>
                   <a:srgbClr val="FF0000"/>
                 </a:solidFill>
@@ -4771,22 +5299,22 @@
               <a:t>Exercises:</a:t>
             </a:r>
             <a:r>
-              <a:rPr lang="en-US" sz="2200" dirty="0" smtClean="0">
-                <a:solidFill>
-                  <a:schemeClr val="bg1"/>
-                </a:solidFill>
-              </a:rPr>
-              <a:t/>
-            </a:r>
-            <a:br>
-              <a:rPr lang="en-US" sz="2200" dirty="0" smtClean="0">
-                <a:solidFill>
-                  <a:schemeClr val="bg1"/>
-                </a:solidFill>
-              </a:rPr>
-            </a:br>
-            <a:r>
-              <a:rPr lang="en-US" sz="2200" dirty="0" smtClean="0">
+              <a:rPr lang="en-US" sz="2000" dirty="0" smtClean="0">
+                <a:solidFill>
+                  <a:schemeClr val="bg1"/>
+                </a:solidFill>
+              </a:rPr>
+              <a:t/>
+            </a:r>
+            <a:br>
+              <a:rPr lang="en-US" sz="2000" dirty="0" smtClean="0">
+                <a:solidFill>
+                  <a:schemeClr val="bg1"/>
+                </a:solidFill>
+              </a:rPr>
+            </a:br>
+            <a:r>
+              <a:rPr lang="en-US" sz="2000" dirty="0" smtClean="0">
                 <a:solidFill>
                   <a:schemeClr val="accent6"/>
                 </a:solidFill>
@@ -4794,14 +5322,14 @@
               <a:t>1. Create a file and list its permissions, what is their value in decimal ? </a:t>
             </a:r>
             <a:br>
-              <a:rPr lang="en-US" sz="2200" dirty="0" smtClean="0">
-                <a:solidFill>
-                  <a:schemeClr val="accent6"/>
-                </a:solidFill>
-              </a:rPr>
-            </a:br>
-            <a:r>
-              <a:rPr lang="en-US" sz="2200" dirty="0" smtClean="0">
+              <a:rPr lang="en-US" sz="2000" dirty="0" smtClean="0">
+                <a:solidFill>
+                  <a:schemeClr val="accent6"/>
+                </a:solidFill>
+              </a:rPr>
+            </a:br>
+            <a:r>
+              <a:rPr lang="en-US" sz="2000" dirty="0" smtClean="0">
                 <a:solidFill>
                   <a:schemeClr val="accent6"/>
                 </a:solidFill>
@@ -4809,7 +5337,7 @@
               <a:t>2. Modify the permission using ‘</a:t>
             </a:r>
             <a:r>
-              <a:rPr lang="en-US" sz="2200" dirty="0" err="1" smtClean="0">
+              <a:rPr lang="en-US" sz="2000" dirty="0" err="1" smtClean="0">
                 <a:solidFill>
                   <a:schemeClr val="bg1"/>
                 </a:solidFill>
@@ -4817,7 +5345,7 @@
               <a:t>chmod</a:t>
             </a:r>
             <a:r>
-              <a:rPr lang="en-US" sz="2200" dirty="0" smtClean="0">
+              <a:rPr lang="en-US" sz="2000" dirty="0" smtClean="0">
                 <a:solidFill>
                   <a:schemeClr val="accent6"/>
                 </a:solidFill>
@@ -4825,14 +5353,14 @@
               <a:t>’, read the manual page first.</a:t>
             </a:r>
             <a:br>
-              <a:rPr lang="en-US" sz="2200" dirty="0" smtClean="0">
-                <a:solidFill>
-                  <a:schemeClr val="accent6"/>
-                </a:solidFill>
-              </a:rPr>
-            </a:br>
-            <a:r>
-              <a:rPr lang="en-US" sz="2200" dirty="0" smtClean="0">
+              <a:rPr lang="en-US" sz="2000" dirty="0" smtClean="0">
+                <a:solidFill>
+                  <a:schemeClr val="accent6"/>
+                </a:solidFill>
+              </a:rPr>
+            </a:br>
+            <a:r>
+              <a:rPr lang="en-US" sz="2000" dirty="0" smtClean="0">
                 <a:solidFill>
                   <a:schemeClr val="accent6"/>
                 </a:solidFill>
@@ -4840,7 +5368,7 @@
               <a:t>3. List the permission on ‘</a:t>
             </a:r>
             <a:r>
-              <a:rPr lang="en-US" sz="2200" dirty="0" smtClean="0">
+              <a:rPr lang="en-US" sz="2000" dirty="0" smtClean="0">
                 <a:solidFill>
                   <a:schemeClr val="bg1"/>
                 </a:solidFill>
@@ -4848,7 +5376,7 @@
               <a:t>/</a:t>
             </a:r>
             <a:r>
-              <a:rPr lang="en-US" sz="2200" dirty="0" err="1" smtClean="0">
+              <a:rPr lang="en-US" sz="2000" dirty="0" err="1" smtClean="0">
                 <a:solidFill>
                   <a:schemeClr val="bg1"/>
                 </a:solidFill>
@@ -4856,7 +5384,7 @@
               <a:t>tmp</a:t>
             </a:r>
             <a:r>
-              <a:rPr lang="en-US" sz="2200" dirty="0" smtClean="0">
+              <a:rPr lang="en-US" sz="2000" dirty="0" smtClean="0">
                 <a:solidFill>
                   <a:schemeClr val="accent6"/>
                 </a:solidFill>
@@ -4864,14 +5392,14 @@
               <a:t>/’ directory, do you see something different ? </a:t>
             </a:r>
             <a:br>
-              <a:rPr lang="en-US" sz="2200" dirty="0" smtClean="0">
-                <a:solidFill>
-                  <a:schemeClr val="accent6"/>
-                </a:solidFill>
-              </a:rPr>
-            </a:br>
-            <a:r>
-              <a:rPr lang="en-US" sz="2200" dirty="0" smtClean="0">
+              <a:rPr lang="en-US" sz="2000" dirty="0" smtClean="0">
+                <a:solidFill>
+                  <a:schemeClr val="accent6"/>
+                </a:solidFill>
+              </a:rPr>
+            </a:br>
+            <a:r>
+              <a:rPr lang="en-US" sz="2000" dirty="0" smtClean="0">
                 <a:solidFill>
                   <a:schemeClr val="accent6"/>
                 </a:solidFill>
@@ -4879,7 +5407,7 @@
               <a:t>4. Create two local users john and </a:t>
             </a:r>
             <a:r>
-              <a:rPr lang="en-US" sz="2200" dirty="0" err="1" smtClean="0">
+              <a:rPr lang="en-US" sz="2000" dirty="0" err="1" smtClean="0">
                 <a:solidFill>
                   <a:schemeClr val="accent6"/>
                 </a:solidFill>
@@ -4887,7 +5415,7 @@
               <a:t>url</a:t>
             </a:r>
             <a:r>
-              <a:rPr lang="en-US" sz="2200" dirty="0" smtClean="0">
+              <a:rPr lang="en-US" sz="2000" dirty="0" smtClean="0">
                 <a:solidFill>
                   <a:schemeClr val="accent6"/>
                 </a:solidFill>
@@ -4895,7 +5423,7 @@
               <a:t>, </a:t>
             </a:r>
             <a:r>
-              <a:rPr lang="en-US" sz="2200" dirty="0" err="1" smtClean="0">
+              <a:rPr lang="en-US" sz="2000" dirty="0" err="1" smtClean="0">
                 <a:solidFill>
                   <a:schemeClr val="bg1"/>
                 </a:solidFill>
@@ -4903,7 +5431,7 @@
               <a:t>su</a:t>
             </a:r>
             <a:r>
-              <a:rPr lang="en-US" sz="2200" dirty="0" smtClean="0">
+              <a:rPr lang="en-US" sz="2000" dirty="0" smtClean="0">
                 <a:solidFill>
                   <a:schemeClr val="bg1"/>
                 </a:solidFill>
@@ -4911,7 +5439,7 @@
               <a:t> </a:t>
             </a:r>
             <a:r>
-              <a:rPr lang="en-US" sz="2200" dirty="0" smtClean="0">
+              <a:rPr lang="en-US" sz="2000" dirty="0" smtClean="0">
                 <a:solidFill>
                   <a:schemeClr val="accent6"/>
                 </a:solidFill>
@@ -4919,7 +5447,7 @@
               <a:t>to each one of them and add a file in </a:t>
             </a:r>
             <a:r>
-              <a:rPr lang="en-US" sz="2200" dirty="0" smtClean="0">
+              <a:rPr lang="en-US" sz="2000" dirty="0" smtClean="0">
                 <a:solidFill>
                   <a:schemeClr val="bg1"/>
                 </a:solidFill>
@@ -4927,7 +5455,7 @@
               <a:t>/</a:t>
             </a:r>
             <a:r>
-              <a:rPr lang="en-US" sz="2200" dirty="0" err="1" smtClean="0">
+              <a:rPr lang="en-US" sz="2000" dirty="0" err="1" smtClean="0">
                 <a:solidFill>
                   <a:schemeClr val="bg1"/>
                 </a:solidFill>
@@ -4935,7 +5463,7 @@
               <a:t>tmp</a:t>
             </a:r>
             <a:r>
-              <a:rPr lang="en-US" sz="2200" dirty="0" smtClean="0">
+              <a:rPr lang="en-US" sz="2000" dirty="0" smtClean="0">
                 <a:solidFill>
                   <a:schemeClr val="bg1"/>
                 </a:solidFill>
@@ -4943,46 +5471,54 @@
               <a:t>, </a:t>
             </a:r>
             <a:r>
-              <a:rPr lang="en-US" sz="2200" dirty="0" err="1" smtClean="0">
-                <a:solidFill>
-                  <a:schemeClr val="accent6"/>
-                </a:solidFill>
-              </a:rPr>
-              <a:t>su</a:t>
-            </a:r>
-            <a:r>
-              <a:rPr lang="en-US" sz="2200" dirty="0" smtClean="0">
-                <a:solidFill>
-                  <a:schemeClr val="accent6"/>
-                </a:solidFill>
-              </a:rPr>
-              <a:t> to </a:t>
-            </a:r>
-            <a:r>
-              <a:rPr lang="en-US" sz="2200" dirty="0" err="1" smtClean="0">
-                <a:solidFill>
-                  <a:schemeClr val="accent6"/>
-                </a:solidFill>
-              </a:rPr>
-              <a:t>to</a:t>
-            </a:r>
-            <a:r>
-              <a:rPr lang="en-US" sz="2200" dirty="0" smtClean="0">
-                <a:solidFill>
-                  <a:schemeClr val="accent6"/>
-                </a:solidFill>
-              </a:rPr>
-              <a:t> other one and try to delete it.</a:t>
-            </a:r>
-            <a:br>
-              <a:rPr lang="en-US" sz="2200" dirty="0" smtClean="0">
-                <a:solidFill>
-                  <a:schemeClr val="accent6"/>
-                </a:solidFill>
-              </a:rPr>
-            </a:br>
-            <a:r>
-              <a:rPr lang="en-US" sz="2200" dirty="0" smtClean="0">
+              <a:rPr lang="en-US" sz="2000" dirty="0" smtClean="0">
+                <a:solidFill>
+                  <a:schemeClr val="accent6"/>
+                </a:solidFill>
+              </a:rPr>
+              <a:t>change the file other permission to be writeable.</a:t>
+            </a:r>
+            <a:r>
+              <a:rPr lang="en-US" sz="2000" dirty="0" smtClean="0">
+                <a:solidFill>
+                  <a:schemeClr val="bg1"/>
+                </a:solidFill>
+              </a:rPr>
+              <a:t> </a:t>
+            </a:r>
+            <a:r>
+              <a:rPr lang="en-US" sz="2000" dirty="0">
+                <a:solidFill>
+                  <a:schemeClr val="accent6"/>
+                </a:solidFill>
+              </a:rPr>
+              <a:t>S</a:t>
+            </a:r>
+            <a:r>
+              <a:rPr lang="en-US" sz="2000" dirty="0" smtClean="0">
+                <a:solidFill>
+                  <a:schemeClr val="accent6"/>
+                </a:solidFill>
+              </a:rPr>
+              <a:t>u </a:t>
+            </a:r>
+            <a:r>
+              <a:rPr lang="en-US" sz="2000" dirty="0" smtClean="0">
+                <a:solidFill>
+                  <a:schemeClr val="accent6"/>
+                </a:solidFill>
+              </a:rPr>
+              <a:t>to to other one and try to delete it.</a:t>
+            </a:r>
+            <a:br>
+              <a:rPr lang="en-US" sz="2000" dirty="0" smtClean="0">
+                <a:solidFill>
+                  <a:schemeClr val="accent6"/>
+                </a:solidFill>
+              </a:rPr>
+            </a:br>
+            <a:r>
+              <a:rPr lang="en-US" sz="2000" dirty="0" smtClean="0">
                 <a:solidFill>
                   <a:schemeClr val="accent6"/>
                 </a:solidFill>
@@ -4990,21 +5526,21 @@
               <a:t>5. Think about a valid case for using SGID.</a:t>
             </a:r>
             <a:br>
-              <a:rPr lang="en-US" sz="2200" dirty="0" smtClean="0">
-                <a:solidFill>
-                  <a:schemeClr val="accent6"/>
-                </a:solidFill>
-              </a:rPr>
-            </a:br>
-            <a:r>
-              <a:rPr lang="en-US" sz="2200" dirty="0" smtClean="0">
+              <a:rPr lang="en-US" sz="2000" dirty="0" smtClean="0">
+                <a:solidFill>
+                  <a:schemeClr val="accent6"/>
+                </a:solidFill>
+              </a:rPr>
+            </a:br>
+            <a:r>
+              <a:rPr lang="en-US" sz="2000" dirty="0" smtClean="0">
                 <a:solidFill>
                   <a:schemeClr val="accent6"/>
                 </a:solidFill>
               </a:rPr>
               <a:t>6. Apply the advanced permissions on a newly created directory of your choice, use sticky bit and group collaboration. List the permissions first and test them. </a:t>
             </a:r>
-            <a:endParaRPr lang="en-US" sz="2200" dirty="0">
+            <a:endParaRPr lang="en-US" sz="2000" dirty="0">
               <a:solidFill>
                 <a:schemeClr val="accent6"/>
               </a:solidFill>
@@ -6388,82 +6924,97 @@
               </a:rPr>
             </a:br>
             <a:r>
-              <a:rPr lang="en-US" sz="2400" dirty="0" smtClean="0">
-                <a:solidFill>
-                  <a:schemeClr val="accent6"/>
-                </a:solidFill>
-              </a:rPr>
-              <a:t/>
-            </a:r>
-            <a:br>
-              <a:rPr lang="en-US" sz="2400" dirty="0" smtClean="0">
-                <a:solidFill>
-                  <a:schemeClr val="accent6"/>
-                </a:solidFill>
-              </a:rPr>
-            </a:br>
-            <a:r>
-              <a:rPr lang="en-US" sz="2400" dirty="0">
-                <a:solidFill>
-                  <a:schemeClr val="accent6"/>
-                </a:solidFill>
-              </a:rPr>
-              <a:t/>
-            </a:r>
-            <a:br>
-              <a:rPr lang="en-US" sz="2400" dirty="0">
-                <a:solidFill>
-                  <a:schemeClr val="accent6"/>
-                </a:solidFill>
-              </a:rPr>
-            </a:br>
-            <a:r>
-              <a:rPr lang="en-US" sz="2400" dirty="0" smtClean="0">
-                <a:solidFill>
-                  <a:schemeClr val="accent6"/>
-                </a:solidFill>
-              </a:rPr>
-              <a:t/>
-            </a:r>
-            <a:br>
-              <a:rPr lang="en-US" sz="2400" dirty="0" smtClean="0">
-                <a:solidFill>
-                  <a:schemeClr val="accent6"/>
-                </a:solidFill>
-              </a:rPr>
-            </a:br>
-            <a:r>
-              <a:rPr lang="en-US" sz="2400" dirty="0">
-                <a:solidFill>
-                  <a:schemeClr val="accent6"/>
-                </a:solidFill>
-              </a:rPr>
-              <a:t/>
-            </a:r>
-            <a:br>
-              <a:rPr lang="en-US" sz="2400" dirty="0">
-                <a:solidFill>
-                  <a:schemeClr val="accent6"/>
-                </a:solidFill>
-              </a:rPr>
-            </a:br>
-            <a:r>
-              <a:rPr lang="en-US" sz="2400" dirty="0" smtClean="0">
-                <a:solidFill>
-                  <a:schemeClr val="accent6"/>
-                </a:solidFill>
-              </a:rPr>
-              <a:t/>
-            </a:r>
-            <a:br>
-              <a:rPr lang="en-US" sz="2400" dirty="0" smtClean="0">
-                <a:solidFill>
-                  <a:schemeClr val="accent6"/>
-                </a:solidFill>
-              </a:rPr>
-            </a:br>
-            <a:r>
-              <a:rPr lang="en-US" sz="2400" dirty="0" smtClean="0">
+              <a:rPr lang="en-US" sz="1800" dirty="0" smtClean="0">
+                <a:solidFill>
+                  <a:schemeClr val="accent6"/>
+                </a:solidFill>
+              </a:rPr>
+              <a:t>Standard Linux file permissions are satisfactory for most situations, but they have limitations. It may not be appropriate for the process to be a member of the file’s owning group, and even less desirable to grant permission to everyone.</a:t>
+            </a:r>
+            <a:br>
+              <a:rPr lang="en-US" sz="1800" dirty="0" smtClean="0">
+                <a:solidFill>
+                  <a:schemeClr val="accent6"/>
+                </a:solidFill>
+              </a:rPr>
+            </a:br>
+            <a:r>
+              <a:rPr lang="en-US" sz="1800" dirty="0">
+                <a:solidFill>
+                  <a:schemeClr val="accent6"/>
+                </a:solidFill>
+              </a:rPr>
+              <a:t/>
+            </a:r>
+            <a:br>
+              <a:rPr lang="en-US" sz="1800" dirty="0">
+                <a:solidFill>
+                  <a:schemeClr val="accent6"/>
+                </a:solidFill>
+              </a:rPr>
+            </a:br>
+            <a:r>
+              <a:rPr lang="en-US" sz="1800" dirty="0" smtClean="0">
+                <a:solidFill>
+                  <a:schemeClr val="accent6"/>
+                </a:solidFill>
+              </a:rPr>
+              <a:t/>
+            </a:r>
+            <a:br>
+              <a:rPr lang="en-US" sz="1800" dirty="0" smtClean="0">
+                <a:solidFill>
+                  <a:schemeClr val="accent6"/>
+                </a:solidFill>
+              </a:rPr>
+            </a:br>
+            <a:r>
+              <a:rPr lang="en-US" sz="1800" dirty="0" smtClean="0">
+                <a:solidFill>
+                  <a:schemeClr val="accent6"/>
+                </a:solidFill>
+              </a:rPr>
+              <a:t/>
+            </a:r>
+            <a:br>
+              <a:rPr lang="en-US" sz="1800" dirty="0" smtClean="0">
+                <a:solidFill>
+                  <a:schemeClr val="accent6"/>
+                </a:solidFill>
+              </a:rPr>
+            </a:br>
+            <a:r>
+              <a:rPr lang="en-US" sz="1800" dirty="0" smtClean="0">
+                <a:solidFill>
+                  <a:schemeClr val="accent6"/>
+                </a:solidFill>
+              </a:rPr>
+              <a:t>The “+” at the end indicates that there are ACL settings associated with this file.</a:t>
+            </a:r>
+            <a:br>
+              <a:rPr lang="en-US" sz="1800" dirty="0" smtClean="0">
+                <a:solidFill>
+                  <a:schemeClr val="accent6"/>
+                </a:solidFill>
+              </a:rPr>
+            </a:br>
+            <a:r>
+              <a:rPr lang="en-US" sz="1800" dirty="0" smtClean="0">
+                <a:solidFill>
+                  <a:schemeClr val="accent6"/>
+                </a:solidFill>
+              </a:rPr>
+              <a:t/>
+            </a:r>
+            <a:br>
+              <a:rPr lang="en-US" sz="1800" dirty="0" smtClean="0">
+                <a:solidFill>
+                  <a:schemeClr val="accent6"/>
+                </a:solidFill>
+              </a:rPr>
+            </a:br>
+            <a:r>
+              <a:rPr lang="en-US" sz="1800" dirty="0" smtClean="0">
                 <a:solidFill>
                   <a:schemeClr val="bg1"/>
                 </a:solidFill>
@@ -6471,45 +7022,53 @@
               <a:t>ACL</a:t>
             </a:r>
             <a:r>
-              <a:rPr lang="en-US" sz="2400" dirty="0" smtClean="0">
-                <a:solidFill>
-                  <a:schemeClr val="accent6"/>
-                </a:solidFill>
-              </a:rPr>
-              <a:t> ( Access Control Lists ) =&gt; a way to add user-extended permissions.</a:t>
-            </a:r>
-            <a:r>
-              <a:rPr lang="en-US" sz="2400" dirty="0">
-                <a:solidFill>
-                  <a:schemeClr val="accent6"/>
-                </a:solidFill>
-              </a:rPr>
-              <a:t/>
-            </a:r>
-            <a:br>
-              <a:rPr lang="en-US" sz="2400" dirty="0">
-                <a:solidFill>
-                  <a:schemeClr val="accent6"/>
-                </a:solidFill>
-              </a:rPr>
-            </a:br>
-            <a:r>
-              <a:rPr lang="en-US" sz="2400" dirty="0" smtClean="0">
-                <a:solidFill>
-                  <a:schemeClr val="accent6"/>
-                </a:solidFill>
-              </a:rPr>
-              <a:t/>
-            </a:r>
-            <a:br>
-              <a:rPr lang="en-US" sz="2400" dirty="0" smtClean="0">
-                <a:solidFill>
-                  <a:schemeClr val="accent6"/>
-                </a:solidFill>
-              </a:rPr>
-            </a:br>
-            <a:r>
-              <a:rPr lang="en-US" sz="2400" dirty="0" err="1" smtClean="0">
+              <a:rPr lang="en-US" sz="1800" dirty="0" smtClean="0">
+                <a:solidFill>
+                  <a:schemeClr val="accent6"/>
+                </a:solidFill>
+              </a:rPr>
+              <a:t> ( Access Control Lists ) =&gt; a way to add user-extended permissions</a:t>
+            </a:r>
+            <a:r>
+              <a:rPr lang="en-US" sz="1800" dirty="0" smtClean="0">
+                <a:solidFill>
+                  <a:schemeClr val="accent6"/>
+                </a:solidFill>
+              </a:rPr>
+              <a:t>. The same permission flags apply. New files and subdirectories can automatically inherit ACL settings from the parent directory default ACLs, if they are set.</a:t>
+            </a:r>
+            <a:r>
+              <a:rPr lang="en-US" sz="1800" dirty="0">
+                <a:solidFill>
+                  <a:schemeClr val="accent6"/>
+                </a:solidFill>
+              </a:rPr>
+              <a:t/>
+            </a:r>
+            <a:br>
+              <a:rPr lang="en-US" sz="1800" dirty="0">
+                <a:solidFill>
+                  <a:schemeClr val="accent6"/>
+                </a:solidFill>
+              </a:rPr>
+            </a:br>
+            <a:r>
+              <a:rPr lang="en-US" sz="1800" dirty="0" smtClean="0">
+                <a:solidFill>
+                  <a:schemeClr val="accent6"/>
+                </a:solidFill>
+              </a:rPr>
+              <a:t/>
+            </a:r>
+            <a:br>
+              <a:rPr lang="en-US" sz="1800" dirty="0" smtClean="0">
+                <a:solidFill>
+                  <a:schemeClr val="accent6"/>
+                </a:solidFill>
+              </a:rPr>
+            </a:br>
+            <a:r>
+              <a:rPr lang="en-US" sz="1800" dirty="0" err="1" smtClean="0">
                 <a:solidFill>
                   <a:schemeClr val="bg1"/>
                 </a:solidFill>
@@ -6517,7 +7076,7 @@
               <a:t>getfacl</a:t>
             </a:r>
             <a:r>
-              <a:rPr lang="en-US" sz="2400" dirty="0" smtClean="0">
+              <a:rPr lang="en-US" sz="1800" dirty="0" smtClean="0">
                 <a:solidFill>
                   <a:schemeClr val="bg1"/>
                 </a:solidFill>
@@ -6525,7 +7084,7 @@
               <a:t> /</a:t>
             </a:r>
             <a:r>
-              <a:rPr lang="en-US" sz="2400" dirty="0" err="1" smtClean="0">
+              <a:rPr lang="en-US" sz="1800" dirty="0" err="1" smtClean="0">
                 <a:solidFill>
                   <a:schemeClr val="bg1"/>
                 </a:solidFill>
@@ -6533,7 +7092,7 @@
               <a:t>tmp</a:t>
             </a:r>
             <a:r>
-              <a:rPr lang="en-US" sz="2400" dirty="0" smtClean="0">
+              <a:rPr lang="en-US" sz="1800" dirty="0" smtClean="0">
                 <a:solidFill>
                   <a:schemeClr val="bg1"/>
                 </a:solidFill>
@@ -6541,7 +7100,7 @@
               <a:t>/</a:t>
             </a:r>
             <a:r>
-              <a:rPr lang="en-US" sz="2400" dirty="0" err="1" smtClean="0">
+              <a:rPr lang="en-US" sz="1800" dirty="0" err="1" smtClean="0">
                 <a:solidFill>
                   <a:schemeClr val="bg1"/>
                 </a:solidFill>
@@ -6549,22 +7108,22 @@
               <a:t>gosho</a:t>
             </a:r>
             <a:r>
-              <a:rPr lang="en-US" sz="2400" dirty="0" smtClean="0">
-                <a:solidFill>
-                  <a:schemeClr val="bg1"/>
-                </a:solidFill>
-              </a:rPr>
-              <a:t/>
-            </a:r>
-            <a:br>
-              <a:rPr lang="en-US" sz="2400" dirty="0" smtClean="0">
-                <a:solidFill>
-                  <a:schemeClr val="bg1"/>
-                </a:solidFill>
-              </a:rPr>
-            </a:br>
-            <a:r>
-              <a:rPr lang="en-US" sz="2400" dirty="0" err="1" smtClean="0">
+              <a:rPr lang="en-US" sz="1800" dirty="0" smtClean="0">
+                <a:solidFill>
+                  <a:schemeClr val="bg1"/>
+                </a:solidFill>
+              </a:rPr>
+              <a:t/>
+            </a:r>
+            <a:br>
+              <a:rPr lang="en-US" sz="1800" dirty="0" smtClean="0">
+                <a:solidFill>
+                  <a:schemeClr val="bg1"/>
+                </a:solidFill>
+              </a:rPr>
+            </a:br>
+            <a:r>
+              <a:rPr lang="en-US" sz="1800" dirty="0" err="1" smtClean="0">
                 <a:solidFill>
                   <a:schemeClr val="bg1"/>
                 </a:solidFill>
@@ -6572,7 +7131,7 @@
               <a:t>setfacl</a:t>
             </a:r>
             <a:r>
-              <a:rPr lang="en-US" sz="2400" dirty="0" smtClean="0">
+              <a:rPr lang="en-US" sz="1800" dirty="0" smtClean="0">
                 <a:solidFill>
                   <a:schemeClr val="bg1"/>
                 </a:solidFill>
@@ -6580,7 +7139,7 @@
               <a:t> /</a:t>
             </a:r>
             <a:r>
-              <a:rPr lang="en-US" sz="2400" dirty="0" err="1" smtClean="0">
+              <a:rPr lang="en-US" sz="1800" dirty="0" err="1" smtClean="0">
                 <a:solidFill>
                   <a:schemeClr val="bg1"/>
                 </a:solidFill>
@@ -6588,7 +7147,7 @@
               <a:t>tmp</a:t>
             </a:r>
             <a:r>
-              <a:rPr lang="en-US" sz="2400" dirty="0" smtClean="0">
+              <a:rPr lang="en-US" sz="1800" dirty="0" smtClean="0">
                 <a:solidFill>
                   <a:schemeClr val="bg1"/>
                 </a:solidFill>
@@ -6596,7 +7155,7 @@
               <a:t>/</a:t>
             </a:r>
             <a:r>
-              <a:rPr lang="en-US" sz="2400" dirty="0" err="1" smtClean="0">
+              <a:rPr lang="en-US" sz="1800" dirty="0" err="1" smtClean="0">
                 <a:solidFill>
                   <a:schemeClr val="bg1"/>
                 </a:solidFill>
@@ -6604,37 +7163,37 @@
               <a:t>gosho</a:t>
             </a:r>
             <a:r>
-              <a:rPr lang="en-US" sz="2400" dirty="0" smtClean="0">
-                <a:solidFill>
-                  <a:schemeClr val="accent6"/>
-                </a:solidFill>
-              </a:rPr>
-              <a:t/>
-            </a:r>
-            <a:br>
-              <a:rPr lang="en-US" sz="2400" dirty="0" smtClean="0">
-                <a:solidFill>
-                  <a:schemeClr val="accent6"/>
-                </a:solidFill>
-              </a:rPr>
-            </a:br>
-            <a:r>
-              <a:rPr lang="en-US" sz="2400" dirty="0" smtClean="0">
-                <a:solidFill>
-                  <a:schemeClr val="accent6"/>
-                </a:solidFill>
-              </a:rPr>
-              <a:t/>
-            </a:r>
-            <a:br>
-              <a:rPr lang="en-US" sz="2400" dirty="0" smtClean="0">
-                <a:solidFill>
-                  <a:schemeClr val="accent6"/>
-                </a:solidFill>
-              </a:rPr>
-            </a:br>
-            <a:r>
-              <a:rPr lang="en-US" sz="2400" dirty="0" smtClean="0">
+              <a:rPr lang="en-US" sz="1800" dirty="0" smtClean="0">
+                <a:solidFill>
+                  <a:schemeClr val="accent6"/>
+                </a:solidFill>
+              </a:rPr>
+              <a:t/>
+            </a:r>
+            <a:br>
+              <a:rPr lang="en-US" sz="1800" dirty="0" smtClean="0">
+                <a:solidFill>
+                  <a:schemeClr val="accent6"/>
+                </a:solidFill>
+              </a:rPr>
+            </a:br>
+            <a:r>
+              <a:rPr lang="en-US" sz="1800" dirty="0" smtClean="0">
+                <a:solidFill>
+                  <a:schemeClr val="accent6"/>
+                </a:solidFill>
+              </a:rPr>
+              <a:t/>
+            </a:r>
+            <a:br>
+              <a:rPr lang="en-US" sz="1800" dirty="0" smtClean="0">
+                <a:solidFill>
+                  <a:schemeClr val="accent6"/>
+                </a:solidFill>
+              </a:rPr>
+            </a:br>
+            <a:r>
+              <a:rPr lang="en-US" sz="1800" dirty="0" smtClean="0">
                 <a:solidFill>
                   <a:schemeClr val="accent6"/>
                 </a:solidFill>
@@ -6642,14 +7201,14 @@
               <a:t>With ACL you can enable inheritance by working with default ACL.</a:t>
             </a:r>
             <a:br>
-              <a:rPr lang="en-US" sz="2400" dirty="0" smtClean="0">
-                <a:solidFill>
-                  <a:schemeClr val="accent6"/>
-                </a:solidFill>
-              </a:rPr>
-            </a:br>
-            <a:r>
-              <a:rPr lang="en-US" sz="2400" dirty="0" err="1">
+              <a:rPr lang="en-US" sz="1800" dirty="0" smtClean="0">
+                <a:solidFill>
+                  <a:schemeClr val="accent6"/>
+                </a:solidFill>
+              </a:rPr>
+            </a:br>
+            <a:r>
+              <a:rPr lang="en-US" sz="1800" dirty="0" err="1">
                 <a:solidFill>
                   <a:schemeClr val="bg1"/>
                 </a:solidFill>
@@ -6657,7 +7216,7 @@
               <a:t>s</a:t>
             </a:r>
             <a:r>
-              <a:rPr lang="en-US" sz="2400" dirty="0" err="1" smtClean="0">
+              <a:rPr lang="en-US" sz="1800" dirty="0" err="1" smtClean="0">
                 <a:solidFill>
                   <a:schemeClr val="bg1"/>
                 </a:solidFill>
@@ -6665,7 +7224,7 @@
               <a:t>etfacl</a:t>
             </a:r>
             <a:r>
-              <a:rPr lang="en-US" sz="2400" dirty="0" smtClean="0">
+              <a:rPr lang="en-US" sz="1800" dirty="0" smtClean="0">
                 <a:solidFill>
                   <a:schemeClr val="bg1"/>
                 </a:solidFill>
@@ -6673,201 +7232,30 @@
               <a:t> –m d:</a:t>
             </a:r>
             <a:br>
-              <a:rPr lang="en-US" sz="2400" dirty="0" smtClean="0">
-                <a:solidFill>
-                  <a:schemeClr val="bg1"/>
-                </a:solidFill>
-              </a:rPr>
-            </a:br>
-            <a:r>
-              <a:rPr lang="en-US" sz="2400" dirty="0">
-                <a:solidFill>
-                  <a:schemeClr val="accent6"/>
-                </a:solidFill>
-              </a:rPr>
-              <a:t/>
-            </a:r>
-            <a:br>
-              <a:rPr lang="en-US" sz="2400" dirty="0">
-                <a:solidFill>
-                  <a:schemeClr val="accent6"/>
-                </a:solidFill>
-              </a:rPr>
-            </a:br>
-            <a:r>
-              <a:rPr lang="en-US" sz="2000" dirty="0">
-                <a:solidFill>
-                  <a:srgbClr val="FF0000"/>
-                </a:solidFill>
-              </a:rPr>
-              <a:t>Homework:</a:t>
-            </a:r>
-            <a:r>
-              <a:rPr lang="en-US" sz="2000" dirty="0">
-                <a:solidFill>
-                  <a:schemeClr val="bg1"/>
-                </a:solidFill>
-              </a:rPr>
-              <a:t/>
-            </a:r>
-            <a:br>
-              <a:rPr lang="en-US" sz="2000" dirty="0">
-                <a:solidFill>
-                  <a:schemeClr val="bg1"/>
-                </a:solidFill>
-              </a:rPr>
-            </a:br>
-            <a:r>
-              <a:rPr lang="en-US" sz="2000" dirty="0">
-                <a:solidFill>
-                  <a:schemeClr val="accent6"/>
-                </a:solidFill>
-              </a:rPr>
-              <a:t>1. Set up a shared group environment. Create two </a:t>
-            </a:r>
-            <a:r>
-              <a:rPr lang="en-US" sz="2000" dirty="0" smtClean="0">
-                <a:solidFill>
-                  <a:schemeClr val="accent6"/>
-                </a:solidFill>
-              </a:rPr>
-              <a:t>directories:</a:t>
-            </a:r>
-            <a:r>
-              <a:rPr lang="en-US" sz="2000" dirty="0" smtClean="0">
-                <a:solidFill>
-                  <a:schemeClr val="bg1"/>
-                </a:solidFill>
-              </a:rPr>
-              <a:t> /data/account and /data/sales. </a:t>
-            </a:r>
-            <a:r>
-              <a:rPr lang="en-US" sz="2000" dirty="0" smtClean="0">
-                <a:solidFill>
-                  <a:schemeClr val="accent6"/>
-                </a:solidFill>
-              </a:rPr>
-              <a:t>Make the group sales owner of the directory </a:t>
-            </a:r>
-            <a:r>
-              <a:rPr lang="en-US" sz="2000" dirty="0">
-                <a:solidFill>
-                  <a:schemeClr val="accent6"/>
-                </a:solidFill>
-              </a:rPr>
-              <a:t>sales, and make the group account owner of </a:t>
-            </a:r>
-            <a:r>
-              <a:rPr lang="en-US" sz="2000" dirty="0" smtClean="0">
-                <a:solidFill>
-                  <a:schemeClr val="accent6"/>
-                </a:solidFill>
-              </a:rPr>
-              <a:t>the </a:t>
-            </a:r>
-            <a:r>
-              <a:rPr lang="en-US" sz="2000" dirty="0">
-                <a:solidFill>
-                  <a:schemeClr val="accent6"/>
-                </a:solidFill>
-              </a:rPr>
-              <a:t>directory account.</a:t>
-            </a:r>
-            <a:br>
-              <a:rPr lang="en-US" sz="2000" dirty="0">
-                <a:solidFill>
-                  <a:schemeClr val="accent6"/>
-                </a:solidFill>
-              </a:rPr>
-            </a:br>
-            <a:r>
-              <a:rPr lang="en-US" sz="2000" dirty="0">
-                <a:solidFill>
-                  <a:schemeClr val="accent6"/>
-                </a:solidFill>
-              </a:rPr>
-              <a:t>2. Ensure that users are only allowed to remove files of which they are the owner. </a:t>
-            </a:r>
-            <a:br>
-              <a:rPr lang="en-US" sz="2000" dirty="0">
-                <a:solidFill>
-                  <a:schemeClr val="accent6"/>
-                </a:solidFill>
-              </a:rPr>
-            </a:br>
-            <a:r>
-              <a:rPr lang="en-US" sz="2000" dirty="0">
-                <a:solidFill>
-                  <a:schemeClr val="accent6"/>
-                </a:solidFill>
-              </a:rPr>
-              <a:t>3. Make the groups to be able to execute files.</a:t>
-            </a:r>
-            <a:br>
-              <a:rPr lang="en-US" sz="2000" dirty="0">
-                <a:solidFill>
-                  <a:schemeClr val="accent6"/>
-                </a:solidFill>
-              </a:rPr>
-            </a:br>
-            <a:r>
-              <a:rPr lang="en-US" sz="2000" dirty="0">
-                <a:solidFill>
-                  <a:schemeClr val="accent6"/>
-                </a:solidFill>
-              </a:rPr>
-              <a:t>4. Create simple bash </a:t>
-            </a:r>
-            <a:r>
-              <a:rPr lang="en-US" sz="2000" dirty="0" smtClean="0">
-                <a:solidFill>
-                  <a:schemeClr val="accent6"/>
-                </a:solidFill>
-              </a:rPr>
-              <a:t>script</a:t>
-            </a:r>
-            <a:r>
-              <a:rPr lang="en-US" sz="2000" dirty="0" smtClean="0">
-                <a:solidFill>
-                  <a:schemeClr val="accent6"/>
-                </a:solidFill>
-              </a:rPr>
-              <a:t> </a:t>
-            </a:r>
-            <a:r>
-              <a:rPr lang="en-US" sz="2000" dirty="0">
-                <a:solidFill>
-                  <a:schemeClr val="accent6"/>
-                </a:solidFill>
-              </a:rPr>
-              <a:t>( google search ) and try to </a:t>
-            </a:r>
-            <a:r>
-              <a:rPr lang="en-US" sz="2000">
-                <a:solidFill>
-                  <a:schemeClr val="accent6"/>
-                </a:solidFill>
-              </a:rPr>
-              <a:t>run </a:t>
-            </a:r>
-            <a:r>
-              <a:rPr lang="en-US" sz="2000" smtClean="0">
-                <a:solidFill>
-                  <a:schemeClr val="accent6"/>
-                </a:solidFill>
-              </a:rPr>
-              <a:t>it as a member of this group.</a:t>
-            </a:r>
-            <a:r>
-              <a:rPr lang="en-US" sz="2000" dirty="0">
-                <a:solidFill>
-                  <a:schemeClr val="bg1"/>
-                </a:solidFill>
-              </a:rPr>
-              <a:t/>
-            </a:r>
-            <a:br>
-              <a:rPr lang="en-US" sz="2000" dirty="0">
+              <a:rPr lang="en-US" sz="1800" dirty="0" smtClean="0">
+                <a:solidFill>
+                  <a:schemeClr val="bg1"/>
+                </a:solidFill>
+              </a:rPr>
+            </a:br>
+            <a:r>
+              <a:rPr lang="en-US" sz="1800" dirty="0" smtClean="0">
+                <a:solidFill>
+                  <a:schemeClr val="accent6"/>
+                </a:solidFill>
+              </a:rPr>
+              <a:t>.</a:t>
+            </a:r>
+            <a:r>
+              <a:rPr lang="en-US" sz="1800" dirty="0">
+                <a:solidFill>
+                  <a:schemeClr val="bg1"/>
+                </a:solidFill>
+              </a:rPr>
+              <a:t/>
+            </a:r>
+            <a:br>
+              <a:rPr lang="en-US" sz="1800" dirty="0">
                 <a:solidFill>
                   <a:schemeClr val="bg1"/>
                 </a:solidFill>
@@ -7121,10 +7509,1005 @@
           </a:p>
         </p:txBody>
       </p:sp>
+      <p:pic>
+        <p:nvPicPr>
+          <p:cNvPr id="3" name="Picture 2"/>
+          <p:cNvPicPr>
+            <a:picLocks noChangeAspect="1"/>
+          </p:cNvPicPr>
+          <p:nvPr/>
+        </p:nvPicPr>
+        <p:blipFill>
+          <a:blip r:embed="rId2">
+            <a:extLst>
+              <a:ext uri="{28A0092B-C50C-407E-A947-70E740481C1C}">
+                <a14:useLocalDpi xmlns:a14="http://schemas.microsoft.com/office/drawing/2010/main" val="0"/>
+              </a:ext>
+            </a:extLst>
+          </a:blip>
+          <a:stretch>
+            <a:fillRect/>
+          </a:stretch>
+        </p:blipFill>
+        <p:spPr>
+          <a:xfrm>
+            <a:off x="1536700" y="1346200"/>
+            <a:ext cx="6223000" cy="558800"/>
+          </a:xfrm>
+          <a:prstGeom prst="rect">
+            <a:avLst/>
+          </a:prstGeom>
+        </p:spPr>
+      </p:pic>
+      <p:pic>
+        <p:nvPicPr>
+          <p:cNvPr id="4" name="Picture 3"/>
+          <p:cNvPicPr>
+            <a:picLocks noChangeAspect="1"/>
+          </p:cNvPicPr>
+          <p:nvPr/>
+        </p:nvPicPr>
+        <p:blipFill>
+          <a:blip r:embed="rId3">
+            <a:extLst>
+              <a:ext uri="{28A0092B-C50C-407E-A947-70E740481C1C}">
+                <a14:useLocalDpi xmlns:a14="http://schemas.microsoft.com/office/drawing/2010/main" val="0"/>
+              </a:ext>
+            </a:extLst>
+          </a:blip>
+          <a:stretch>
+            <a:fillRect/>
+          </a:stretch>
+        </p:blipFill>
+        <p:spPr>
+          <a:xfrm>
+            <a:off x="2555875" y="4724400"/>
+            <a:ext cx="4184650" cy="1437955"/>
+          </a:xfrm>
+          <a:prstGeom prst="rect">
+            <a:avLst/>
+          </a:prstGeom>
+        </p:spPr>
+      </p:pic>
     </p:spTree>
     <p:extLst>
       <p:ext uri="{BB962C8B-B14F-4D97-AF65-F5344CB8AC3E}">
         <p14:creationId xmlns:p14="http://schemas.microsoft.com/office/powerpoint/2010/main" val="4260789907"/>
+      </p:ext>
+    </p:extLst>
+  </p:cSld>
+  <p:clrMapOvr>
+    <a:masterClrMapping/>
+  </p:clrMapOvr>
+  <p:timing>
+    <p:tnLst>
+      <p:par>
+        <p:cTn id="1" dur="indefinite" restart="never" nodeType="tmRoot"/>
+      </p:par>
+    </p:tnLst>
+  </p:timing>
+</p:sld>
+</file>
+
+<file path=ppt/slides/slide9.xml><?xml version="1.0" encoding="utf-8"?>
+<p:sld xmlns:a="http://schemas.openxmlformats.org/drawingml/2006/main" xmlns:r="http://schemas.openxmlformats.org/officeDocument/2006/relationships" xmlns:p="http://schemas.openxmlformats.org/presentationml/2006/main">
+  <p:cSld>
+    <p:spTree>
+      <p:nvGrpSpPr>
+        <p:cNvPr id="1" name=""/>
+        <p:cNvGrpSpPr/>
+        <p:nvPr/>
+      </p:nvGrpSpPr>
+      <p:grpSpPr>
+        <a:xfrm>
+          <a:off x="0" y="0"/>
+          <a:ext cx="0" cy="0"/>
+          <a:chOff x="0" y="0"/>
+          <a:chExt cx="0" cy="0"/>
+        </a:xfrm>
+      </p:grpSpPr>
+      <p:sp>
+        <p:nvSpPr>
+          <p:cNvPr id="2" name="Title 1"/>
+          <p:cNvSpPr>
+            <a:spLocks noGrp="1"/>
+          </p:cNvSpPr>
+          <p:nvPr>
+            <p:ph type="title"/>
+          </p:nvPr>
+        </p:nvSpPr>
+        <p:spPr>
+          <a:xfrm>
+            <a:off x="533400" y="762000"/>
+            <a:ext cx="8229600" cy="1143000"/>
+          </a:xfrm>
+        </p:spPr>
+        <p:txBody>
+          <a:bodyPr>
+            <a:normAutofit fontScale="90000"/>
+          </a:bodyPr>
+          <a:lstStyle/>
+          <a:p>
+            <a:r>
+              <a:rPr lang="en-US" sz="3100" dirty="0" smtClean="0">
+                <a:solidFill>
+                  <a:schemeClr val="accent6"/>
+                </a:solidFill>
+              </a:rPr>
+              <a:t/>
+            </a:r>
+            <a:br>
+              <a:rPr lang="en-US" sz="3100" dirty="0" smtClean="0">
+                <a:solidFill>
+                  <a:schemeClr val="accent6"/>
+                </a:solidFill>
+              </a:rPr>
+            </a:br>
+            <a:r>
+              <a:rPr lang="en-US" sz="3100" dirty="0">
+                <a:solidFill>
+                  <a:schemeClr val="accent6"/>
+                </a:solidFill>
+              </a:rPr>
+              <a:t/>
+            </a:r>
+            <a:br>
+              <a:rPr lang="en-US" sz="3100" dirty="0">
+                <a:solidFill>
+                  <a:schemeClr val="accent6"/>
+                </a:solidFill>
+              </a:rPr>
+            </a:br>
+            <a:r>
+              <a:rPr lang="en-US" sz="3100" dirty="0" smtClean="0">
+                <a:solidFill>
+                  <a:schemeClr val="accent6"/>
+                </a:solidFill>
+              </a:rPr>
+              <a:t/>
+            </a:r>
+            <a:br>
+              <a:rPr lang="en-US" sz="3100" dirty="0" smtClean="0">
+                <a:solidFill>
+                  <a:schemeClr val="accent6"/>
+                </a:solidFill>
+              </a:rPr>
+            </a:br>
+            <a:r>
+              <a:rPr lang="en-US" sz="3100" dirty="0">
+                <a:solidFill>
+                  <a:schemeClr val="accent6"/>
+                </a:solidFill>
+              </a:rPr>
+              <a:t/>
+            </a:r>
+            <a:br>
+              <a:rPr lang="en-US" sz="3100" dirty="0">
+                <a:solidFill>
+                  <a:schemeClr val="accent6"/>
+                </a:solidFill>
+              </a:rPr>
+            </a:br>
+            <a:r>
+              <a:rPr lang="en-US" sz="3100" dirty="0" smtClean="0">
+                <a:solidFill>
+                  <a:schemeClr val="accent6"/>
+                </a:solidFill>
+              </a:rPr>
+              <a:t/>
+            </a:r>
+            <a:br>
+              <a:rPr lang="en-US" sz="3100" dirty="0" smtClean="0">
+                <a:solidFill>
+                  <a:schemeClr val="accent6"/>
+                </a:solidFill>
+              </a:rPr>
+            </a:br>
+            <a:r>
+              <a:rPr lang="en-US" sz="3100" dirty="0">
+                <a:solidFill>
+                  <a:schemeClr val="accent6"/>
+                </a:solidFill>
+              </a:rPr>
+              <a:t/>
+            </a:r>
+            <a:br>
+              <a:rPr lang="en-US" sz="3100" dirty="0">
+                <a:solidFill>
+                  <a:schemeClr val="accent6"/>
+                </a:solidFill>
+              </a:rPr>
+            </a:br>
+            <a:r>
+              <a:rPr lang="en-US" sz="3100" dirty="0" smtClean="0">
+                <a:solidFill>
+                  <a:schemeClr val="accent6"/>
+                </a:solidFill>
+              </a:rPr>
+              <a:t/>
+            </a:r>
+            <a:br>
+              <a:rPr lang="en-US" sz="3100" dirty="0" smtClean="0">
+                <a:solidFill>
+                  <a:schemeClr val="accent6"/>
+                </a:solidFill>
+              </a:rPr>
+            </a:br>
+            <a:r>
+              <a:rPr lang="en-US" sz="3100" dirty="0" smtClean="0">
+                <a:solidFill>
+                  <a:schemeClr val="accent6"/>
+                </a:solidFill>
+              </a:rPr>
+              <a:t/>
+            </a:r>
+            <a:br>
+              <a:rPr lang="en-US" sz="3100" dirty="0" smtClean="0">
+                <a:solidFill>
+                  <a:schemeClr val="accent6"/>
+                </a:solidFill>
+              </a:rPr>
+            </a:br>
+            <a:r>
+              <a:rPr lang="en-US" sz="3100" dirty="0">
+                <a:solidFill>
+                  <a:schemeClr val="accent6"/>
+                </a:solidFill>
+              </a:rPr>
+              <a:t/>
+            </a:r>
+            <a:br>
+              <a:rPr lang="en-US" sz="3100" dirty="0">
+                <a:solidFill>
+                  <a:schemeClr val="accent6"/>
+                </a:solidFill>
+              </a:rPr>
+            </a:br>
+            <a:r>
+              <a:rPr lang="en-US" sz="3100" dirty="0" smtClean="0">
+                <a:solidFill>
+                  <a:schemeClr val="accent6"/>
+                </a:solidFill>
+              </a:rPr>
+              <a:t/>
+            </a:r>
+            <a:br>
+              <a:rPr lang="en-US" sz="3100" dirty="0" smtClean="0">
+                <a:solidFill>
+                  <a:schemeClr val="accent6"/>
+                </a:solidFill>
+              </a:rPr>
+            </a:br>
+            <a:r>
+              <a:rPr lang="en-US" sz="3100" dirty="0" smtClean="0">
+                <a:solidFill>
+                  <a:schemeClr val="accent6"/>
+                </a:solidFill>
+              </a:rPr>
+              <a:t/>
+            </a:r>
+            <a:br>
+              <a:rPr lang="en-US" sz="3100" dirty="0" smtClean="0">
+                <a:solidFill>
+                  <a:schemeClr val="accent6"/>
+                </a:solidFill>
+              </a:rPr>
+            </a:br>
+            <a:r>
+              <a:rPr lang="en-US" sz="3100" dirty="0">
+                <a:solidFill>
+                  <a:schemeClr val="accent6"/>
+                </a:solidFill>
+              </a:rPr>
+              <a:t/>
+            </a:r>
+            <a:br>
+              <a:rPr lang="en-US" sz="3100" dirty="0">
+                <a:solidFill>
+                  <a:schemeClr val="accent6"/>
+                </a:solidFill>
+              </a:rPr>
+            </a:br>
+            <a:r>
+              <a:rPr lang="en-US" sz="3100" dirty="0" smtClean="0">
+                <a:solidFill>
+                  <a:schemeClr val="accent6"/>
+                </a:solidFill>
+              </a:rPr>
+              <a:t/>
+            </a:r>
+            <a:br>
+              <a:rPr lang="en-US" sz="3100" dirty="0" smtClean="0">
+                <a:solidFill>
+                  <a:schemeClr val="accent6"/>
+                </a:solidFill>
+              </a:rPr>
+            </a:br>
+            <a:r>
+              <a:rPr lang="en-US" sz="3100" dirty="0">
+                <a:solidFill>
+                  <a:schemeClr val="accent6"/>
+                </a:solidFill>
+              </a:rPr>
+              <a:t/>
+            </a:r>
+            <a:br>
+              <a:rPr lang="en-US" sz="3100" dirty="0">
+                <a:solidFill>
+                  <a:schemeClr val="accent6"/>
+                </a:solidFill>
+              </a:rPr>
+            </a:br>
+            <a:r>
+              <a:rPr lang="en-US" sz="3100" dirty="0" smtClean="0">
+                <a:solidFill>
+                  <a:schemeClr val="accent6"/>
+                </a:solidFill>
+              </a:rPr>
+              <a:t/>
+            </a:r>
+            <a:br>
+              <a:rPr lang="en-US" sz="3100" dirty="0" smtClean="0">
+                <a:solidFill>
+                  <a:schemeClr val="accent6"/>
+                </a:solidFill>
+              </a:rPr>
+            </a:br>
+            <a:r>
+              <a:rPr lang="en-US" sz="2400" dirty="0">
+                <a:solidFill>
+                  <a:schemeClr val="accent6"/>
+                </a:solidFill>
+              </a:rPr>
+              <a:t/>
+            </a:r>
+            <a:br>
+              <a:rPr lang="en-US" sz="2400" dirty="0">
+                <a:solidFill>
+                  <a:schemeClr val="accent6"/>
+                </a:solidFill>
+              </a:rPr>
+            </a:br>
+            <a:r>
+              <a:rPr lang="en-US" sz="2400" dirty="0" smtClean="0">
+                <a:solidFill>
+                  <a:schemeClr val="accent6"/>
+                </a:solidFill>
+              </a:rPr>
+              <a:t/>
+            </a:r>
+            <a:br>
+              <a:rPr lang="en-US" sz="2400" dirty="0" smtClean="0">
+                <a:solidFill>
+                  <a:schemeClr val="accent6"/>
+                </a:solidFill>
+              </a:rPr>
+            </a:br>
+            <a:r>
+              <a:rPr lang="en-US" sz="2400" dirty="0" smtClean="0">
+                <a:solidFill>
+                  <a:schemeClr val="accent6"/>
+                </a:solidFill>
+              </a:rPr>
+              <a:t/>
+            </a:r>
+            <a:br>
+              <a:rPr lang="en-US" sz="2400" dirty="0" smtClean="0">
+                <a:solidFill>
+                  <a:schemeClr val="accent6"/>
+                </a:solidFill>
+              </a:rPr>
+            </a:br>
+            <a:r>
+              <a:rPr lang="en-US" sz="2400" dirty="0">
+                <a:solidFill>
+                  <a:schemeClr val="accent6"/>
+                </a:solidFill>
+              </a:rPr>
+              <a:t/>
+            </a:r>
+            <a:br>
+              <a:rPr lang="en-US" sz="2400" dirty="0">
+                <a:solidFill>
+                  <a:schemeClr val="accent6"/>
+                </a:solidFill>
+              </a:rPr>
+            </a:br>
+            <a:r>
+              <a:rPr lang="en-US" sz="2400" dirty="0" smtClean="0">
+                <a:solidFill>
+                  <a:schemeClr val="accent6"/>
+                </a:solidFill>
+              </a:rPr>
+              <a:t/>
+            </a:r>
+            <a:br>
+              <a:rPr lang="en-US" sz="2400" dirty="0" smtClean="0">
+                <a:solidFill>
+                  <a:schemeClr val="accent6"/>
+                </a:solidFill>
+              </a:rPr>
+            </a:br>
+            <a:r>
+              <a:rPr lang="en-US" sz="2400" dirty="0">
+                <a:solidFill>
+                  <a:schemeClr val="accent6"/>
+                </a:solidFill>
+              </a:rPr>
+              <a:t/>
+            </a:r>
+            <a:br>
+              <a:rPr lang="en-US" sz="2400" dirty="0">
+                <a:solidFill>
+                  <a:schemeClr val="accent6"/>
+                </a:solidFill>
+              </a:rPr>
+            </a:br>
+            <a:r>
+              <a:rPr lang="en-US" sz="2400" dirty="0" smtClean="0">
+                <a:solidFill>
+                  <a:schemeClr val="accent6"/>
+                </a:solidFill>
+              </a:rPr>
+              <a:t/>
+            </a:r>
+            <a:br>
+              <a:rPr lang="en-US" sz="2400" dirty="0" smtClean="0">
+                <a:solidFill>
+                  <a:schemeClr val="accent6"/>
+                </a:solidFill>
+              </a:rPr>
+            </a:br>
+            <a:r>
+              <a:rPr lang="en-US" sz="2400" dirty="0">
+                <a:solidFill>
+                  <a:schemeClr val="accent6"/>
+                </a:solidFill>
+              </a:rPr>
+              <a:t/>
+            </a:r>
+            <a:br>
+              <a:rPr lang="en-US" sz="2400" dirty="0">
+                <a:solidFill>
+                  <a:schemeClr val="accent6"/>
+                </a:solidFill>
+              </a:rPr>
+            </a:br>
+            <a:r>
+              <a:rPr lang="en-US" sz="2400" dirty="0" smtClean="0">
+                <a:solidFill>
+                  <a:schemeClr val="accent6"/>
+                </a:solidFill>
+              </a:rPr>
+              <a:t/>
+            </a:r>
+            <a:br>
+              <a:rPr lang="en-US" sz="2400" dirty="0" smtClean="0">
+                <a:solidFill>
+                  <a:schemeClr val="accent6"/>
+                </a:solidFill>
+              </a:rPr>
+            </a:br>
+            <a:r>
+              <a:rPr lang="en-US" sz="2400" dirty="0">
+                <a:solidFill>
+                  <a:schemeClr val="accent6"/>
+                </a:solidFill>
+              </a:rPr>
+              <a:t/>
+            </a:r>
+            <a:br>
+              <a:rPr lang="en-US" sz="2400" dirty="0">
+                <a:solidFill>
+                  <a:schemeClr val="accent6"/>
+                </a:solidFill>
+              </a:rPr>
+            </a:br>
+            <a:r>
+              <a:rPr lang="en-US" sz="2400" dirty="0" smtClean="0">
+                <a:solidFill>
+                  <a:schemeClr val="accent6"/>
+                </a:solidFill>
+              </a:rPr>
+              <a:t/>
+            </a:r>
+            <a:br>
+              <a:rPr lang="en-US" sz="2400" dirty="0" smtClean="0">
+                <a:solidFill>
+                  <a:schemeClr val="accent6"/>
+                </a:solidFill>
+              </a:rPr>
+            </a:br>
+            <a:r>
+              <a:rPr lang="en-US" sz="2400" dirty="0">
+                <a:solidFill>
+                  <a:schemeClr val="accent6"/>
+                </a:solidFill>
+              </a:rPr>
+              <a:t/>
+            </a:r>
+            <a:br>
+              <a:rPr lang="en-US" sz="2400" dirty="0">
+                <a:solidFill>
+                  <a:schemeClr val="accent6"/>
+                </a:solidFill>
+              </a:rPr>
+            </a:br>
+            <a:r>
+              <a:rPr lang="en-US" sz="2400" dirty="0" smtClean="0">
+                <a:solidFill>
+                  <a:schemeClr val="accent6"/>
+                </a:solidFill>
+              </a:rPr>
+              <a:t/>
+            </a:r>
+            <a:br>
+              <a:rPr lang="en-US" sz="2400" dirty="0" smtClean="0">
+                <a:solidFill>
+                  <a:schemeClr val="accent6"/>
+                </a:solidFill>
+              </a:rPr>
+            </a:br>
+            <a:r>
+              <a:rPr lang="en-US" sz="2400" dirty="0">
+                <a:solidFill>
+                  <a:schemeClr val="accent6"/>
+                </a:solidFill>
+              </a:rPr>
+              <a:t/>
+            </a:r>
+            <a:br>
+              <a:rPr lang="en-US" sz="2400" dirty="0">
+                <a:solidFill>
+                  <a:schemeClr val="accent6"/>
+                </a:solidFill>
+              </a:rPr>
+            </a:br>
+            <a:r>
+              <a:rPr lang="en-US" sz="2400" dirty="0" smtClean="0">
+                <a:solidFill>
+                  <a:schemeClr val="accent6"/>
+                </a:solidFill>
+              </a:rPr>
+              <a:t/>
+            </a:r>
+            <a:br>
+              <a:rPr lang="en-US" sz="2400" dirty="0" smtClean="0">
+                <a:solidFill>
+                  <a:schemeClr val="accent6"/>
+                </a:solidFill>
+              </a:rPr>
+            </a:br>
+            <a:r>
+              <a:rPr lang="en-US" sz="2400" dirty="0">
+                <a:solidFill>
+                  <a:schemeClr val="accent6"/>
+                </a:solidFill>
+              </a:rPr>
+              <a:t/>
+            </a:r>
+            <a:br>
+              <a:rPr lang="en-US" sz="2400" dirty="0">
+                <a:solidFill>
+                  <a:schemeClr val="accent6"/>
+                </a:solidFill>
+              </a:rPr>
+            </a:br>
+            <a:r>
+              <a:rPr lang="en-US" sz="2000" dirty="0">
+                <a:solidFill>
+                  <a:srgbClr val="FF0000"/>
+                </a:solidFill>
+              </a:rPr>
+              <a:t>Homework:</a:t>
+            </a:r>
+            <a:r>
+              <a:rPr lang="en-US" sz="2000" dirty="0">
+                <a:solidFill>
+                  <a:schemeClr val="bg1"/>
+                </a:solidFill>
+              </a:rPr>
+              <a:t/>
+            </a:r>
+            <a:br>
+              <a:rPr lang="en-US" sz="2000" dirty="0">
+                <a:solidFill>
+                  <a:schemeClr val="bg1"/>
+                </a:solidFill>
+              </a:rPr>
+            </a:br>
+            <a:r>
+              <a:rPr lang="en-US" sz="2000" dirty="0">
+                <a:solidFill>
+                  <a:schemeClr val="accent6"/>
+                </a:solidFill>
+              </a:rPr>
+              <a:t>1. Set up a shared group environment. Create two </a:t>
+            </a:r>
+            <a:r>
+              <a:rPr lang="en-US" sz="2000" dirty="0" smtClean="0">
+                <a:solidFill>
+                  <a:schemeClr val="accent6"/>
+                </a:solidFill>
+              </a:rPr>
+              <a:t>directories:</a:t>
+            </a:r>
+            <a:r>
+              <a:rPr lang="en-US" sz="2000" dirty="0" smtClean="0">
+                <a:solidFill>
+                  <a:schemeClr val="bg1"/>
+                </a:solidFill>
+              </a:rPr>
+              <a:t> /data/account and /data/sales. </a:t>
+            </a:r>
+            <a:r>
+              <a:rPr lang="en-US" sz="2000" dirty="0" smtClean="0">
+                <a:solidFill>
+                  <a:schemeClr val="accent6"/>
+                </a:solidFill>
+              </a:rPr>
+              <a:t>Make the group sales owner of the directory </a:t>
+            </a:r>
+            <a:r>
+              <a:rPr lang="en-US" sz="2000" dirty="0">
+                <a:solidFill>
+                  <a:schemeClr val="accent6"/>
+                </a:solidFill>
+              </a:rPr>
+              <a:t>sales, and make the group account owner of </a:t>
+            </a:r>
+            <a:r>
+              <a:rPr lang="en-US" sz="2000" dirty="0" smtClean="0">
+                <a:solidFill>
+                  <a:schemeClr val="accent6"/>
+                </a:solidFill>
+              </a:rPr>
+              <a:t>the </a:t>
+            </a:r>
+            <a:r>
+              <a:rPr lang="en-US" sz="2000" dirty="0">
+                <a:solidFill>
+                  <a:schemeClr val="accent6"/>
+                </a:solidFill>
+              </a:rPr>
+              <a:t>directory account.</a:t>
+            </a:r>
+            <a:br>
+              <a:rPr lang="en-US" sz="2000" dirty="0">
+                <a:solidFill>
+                  <a:schemeClr val="accent6"/>
+                </a:solidFill>
+              </a:rPr>
+            </a:br>
+            <a:r>
+              <a:rPr lang="en-US" sz="2000" dirty="0">
+                <a:solidFill>
+                  <a:schemeClr val="accent6"/>
+                </a:solidFill>
+              </a:rPr>
+              <a:t>2. Ensure that users are only allowed to remove files of which they are the owner. </a:t>
+            </a:r>
+            <a:br>
+              <a:rPr lang="en-US" sz="2000" dirty="0">
+                <a:solidFill>
+                  <a:schemeClr val="accent6"/>
+                </a:solidFill>
+              </a:rPr>
+            </a:br>
+            <a:r>
+              <a:rPr lang="en-US" sz="2000" dirty="0">
+                <a:solidFill>
+                  <a:schemeClr val="accent6"/>
+                </a:solidFill>
+              </a:rPr>
+              <a:t>3. Make the groups to be able to execute files.</a:t>
+            </a:r>
+            <a:br>
+              <a:rPr lang="en-US" sz="2000" dirty="0">
+                <a:solidFill>
+                  <a:schemeClr val="accent6"/>
+                </a:solidFill>
+              </a:rPr>
+            </a:br>
+            <a:r>
+              <a:rPr lang="en-US" sz="2000" dirty="0">
+                <a:solidFill>
+                  <a:schemeClr val="accent6"/>
+                </a:solidFill>
+              </a:rPr>
+              <a:t>4. Create simple bash </a:t>
+            </a:r>
+            <a:r>
+              <a:rPr lang="en-US" sz="2000" dirty="0" smtClean="0">
+                <a:solidFill>
+                  <a:schemeClr val="accent6"/>
+                </a:solidFill>
+              </a:rPr>
+              <a:t>script </a:t>
+            </a:r>
+            <a:r>
+              <a:rPr lang="en-US" sz="2000" dirty="0">
+                <a:solidFill>
+                  <a:schemeClr val="accent6"/>
+                </a:solidFill>
+              </a:rPr>
+              <a:t>( google search ) and try to run </a:t>
+            </a:r>
+            <a:r>
+              <a:rPr lang="en-US" sz="2000" dirty="0" smtClean="0">
+                <a:solidFill>
+                  <a:schemeClr val="accent6"/>
+                </a:solidFill>
+              </a:rPr>
+              <a:t>it as a member of this group.</a:t>
+            </a:r>
+            <a:r>
+              <a:rPr lang="en-US" sz="2000" dirty="0">
+                <a:solidFill>
+                  <a:schemeClr val="bg1"/>
+                </a:solidFill>
+              </a:rPr>
+              <a:t/>
+            </a:r>
+            <a:br>
+              <a:rPr lang="en-US" sz="2000" dirty="0">
+                <a:solidFill>
+                  <a:schemeClr val="bg1"/>
+                </a:solidFill>
+              </a:rPr>
+            </a:br>
+            <a:r>
+              <a:rPr lang="en-US" sz="2400" dirty="0" smtClean="0">
+                <a:solidFill>
+                  <a:schemeClr val="accent6"/>
+                </a:solidFill>
+              </a:rPr>
+              <a:t/>
+            </a:r>
+            <a:br>
+              <a:rPr lang="en-US" sz="2400" dirty="0" smtClean="0">
+                <a:solidFill>
+                  <a:schemeClr val="accent6"/>
+                </a:solidFill>
+              </a:rPr>
+            </a:br>
+            <a:r>
+              <a:rPr lang="en-US" sz="2400" dirty="0">
+                <a:solidFill>
+                  <a:schemeClr val="accent6"/>
+                </a:solidFill>
+              </a:rPr>
+              <a:t/>
+            </a:r>
+            <a:br>
+              <a:rPr lang="en-US" sz="2400" dirty="0">
+                <a:solidFill>
+                  <a:schemeClr val="accent6"/>
+                </a:solidFill>
+              </a:rPr>
+            </a:br>
+            <a:r>
+              <a:rPr lang="en-US" sz="2400" dirty="0" smtClean="0">
+                <a:solidFill>
+                  <a:schemeClr val="accent6"/>
+                </a:solidFill>
+              </a:rPr>
+              <a:t/>
+            </a:r>
+            <a:br>
+              <a:rPr lang="en-US" sz="2400" dirty="0" smtClean="0">
+                <a:solidFill>
+                  <a:schemeClr val="accent6"/>
+                </a:solidFill>
+              </a:rPr>
+            </a:br>
+            <a:r>
+              <a:rPr lang="en-US" sz="2400" dirty="0" smtClean="0">
+                <a:solidFill>
+                  <a:schemeClr val="accent6"/>
+                </a:solidFill>
+              </a:rPr>
+              <a:t/>
+            </a:r>
+            <a:br>
+              <a:rPr lang="en-US" sz="2400" dirty="0" smtClean="0">
+                <a:solidFill>
+                  <a:schemeClr val="accent6"/>
+                </a:solidFill>
+              </a:rPr>
+            </a:br>
+            <a:r>
+              <a:rPr lang="en-US" sz="2400" dirty="0" smtClean="0">
+                <a:solidFill>
+                  <a:schemeClr val="accent6"/>
+                </a:solidFill>
+              </a:rPr>
+              <a:t/>
+            </a:r>
+            <a:br>
+              <a:rPr lang="en-US" sz="2400" dirty="0" smtClean="0">
+                <a:solidFill>
+                  <a:schemeClr val="accent6"/>
+                </a:solidFill>
+              </a:rPr>
+            </a:br>
+            <a:r>
+              <a:rPr lang="en-US" sz="2400" dirty="0" smtClean="0">
+                <a:solidFill>
+                  <a:schemeClr val="accent6"/>
+                </a:solidFill>
+              </a:rPr>
+              <a:t/>
+            </a:r>
+            <a:br>
+              <a:rPr lang="en-US" sz="2400" dirty="0" smtClean="0">
+                <a:solidFill>
+                  <a:schemeClr val="accent6"/>
+                </a:solidFill>
+              </a:rPr>
+            </a:br>
+            <a:r>
+              <a:rPr lang="en-US" sz="2400" dirty="0">
+                <a:solidFill>
+                  <a:schemeClr val="accent6"/>
+                </a:solidFill>
+              </a:rPr>
+              <a:t/>
+            </a:r>
+            <a:br>
+              <a:rPr lang="en-US" sz="2400" dirty="0">
+                <a:solidFill>
+                  <a:schemeClr val="accent6"/>
+                </a:solidFill>
+              </a:rPr>
+            </a:br>
+            <a:r>
+              <a:rPr lang="en-US" sz="2400" dirty="0" smtClean="0">
+                <a:solidFill>
+                  <a:schemeClr val="accent6"/>
+                </a:solidFill>
+              </a:rPr>
+              <a:t/>
+            </a:r>
+            <a:br>
+              <a:rPr lang="en-US" sz="2400" dirty="0" smtClean="0">
+                <a:solidFill>
+                  <a:schemeClr val="accent6"/>
+                </a:solidFill>
+              </a:rPr>
+            </a:br>
+            <a:r>
+              <a:rPr lang="en-US" sz="3100" dirty="0">
+                <a:solidFill>
+                  <a:schemeClr val="accent6"/>
+                </a:solidFill>
+              </a:rPr>
+              <a:t/>
+            </a:r>
+            <a:br>
+              <a:rPr lang="en-US" sz="3100" dirty="0">
+                <a:solidFill>
+                  <a:schemeClr val="accent6"/>
+                </a:solidFill>
+              </a:rPr>
+            </a:br>
+            <a:r>
+              <a:rPr lang="en-US" sz="3100" dirty="0" smtClean="0">
+                <a:solidFill>
+                  <a:schemeClr val="accent6"/>
+                </a:solidFill>
+              </a:rPr>
+              <a:t/>
+            </a:r>
+            <a:br>
+              <a:rPr lang="en-US" sz="3100" dirty="0" smtClean="0">
+                <a:solidFill>
+                  <a:schemeClr val="accent6"/>
+                </a:solidFill>
+              </a:rPr>
+            </a:br>
+            <a:r>
+              <a:rPr lang="en-US" sz="3100" dirty="0">
+                <a:solidFill>
+                  <a:schemeClr val="accent6"/>
+                </a:solidFill>
+              </a:rPr>
+              <a:t/>
+            </a:r>
+            <a:br>
+              <a:rPr lang="en-US" sz="3100" dirty="0">
+                <a:solidFill>
+                  <a:schemeClr val="accent6"/>
+                </a:solidFill>
+              </a:rPr>
+            </a:br>
+            <a:r>
+              <a:rPr lang="en-US" sz="3100" dirty="0" smtClean="0">
+                <a:solidFill>
+                  <a:schemeClr val="accent6"/>
+                </a:solidFill>
+              </a:rPr>
+              <a:t/>
+            </a:r>
+            <a:br>
+              <a:rPr lang="en-US" sz="3100" dirty="0" smtClean="0">
+                <a:solidFill>
+                  <a:schemeClr val="accent6"/>
+                </a:solidFill>
+              </a:rPr>
+            </a:br>
+            <a:r>
+              <a:rPr lang="en-US" sz="3100" dirty="0" smtClean="0">
+                <a:solidFill>
+                  <a:schemeClr val="accent6"/>
+                </a:solidFill>
+              </a:rPr>
+              <a:t/>
+            </a:r>
+            <a:br>
+              <a:rPr lang="en-US" sz="3100" dirty="0" smtClean="0">
+                <a:solidFill>
+                  <a:schemeClr val="accent6"/>
+                </a:solidFill>
+              </a:rPr>
+            </a:br>
+            <a:r>
+              <a:rPr lang="en-US" sz="3100" dirty="0">
+                <a:solidFill>
+                  <a:schemeClr val="accent6"/>
+                </a:solidFill>
+              </a:rPr>
+              <a:t/>
+            </a:r>
+            <a:br>
+              <a:rPr lang="en-US" sz="3100" dirty="0">
+                <a:solidFill>
+                  <a:schemeClr val="accent6"/>
+                </a:solidFill>
+              </a:rPr>
+            </a:br>
+            <a:r>
+              <a:rPr lang="en-US" sz="3100" dirty="0" smtClean="0">
+                <a:solidFill>
+                  <a:schemeClr val="accent6"/>
+                </a:solidFill>
+              </a:rPr>
+              <a:t/>
+            </a:r>
+            <a:br>
+              <a:rPr lang="en-US" sz="3100" dirty="0" smtClean="0">
+                <a:solidFill>
+                  <a:schemeClr val="accent6"/>
+                </a:solidFill>
+              </a:rPr>
+            </a:br>
+            <a:r>
+              <a:rPr lang="en-US" dirty="0" smtClean="0">
+                <a:solidFill>
+                  <a:schemeClr val="accent6"/>
+                </a:solidFill>
+              </a:rPr>
+              <a:t/>
+            </a:r>
+            <a:br>
+              <a:rPr lang="en-US" dirty="0" smtClean="0">
+                <a:solidFill>
+                  <a:schemeClr val="accent6"/>
+                </a:solidFill>
+              </a:rPr>
+            </a:br>
+            <a:endParaRPr lang="bg-BG" dirty="0">
+              <a:solidFill>
+                <a:schemeClr val="accent6"/>
+              </a:solidFill>
+            </a:endParaRPr>
+          </a:p>
+        </p:txBody>
+      </p:sp>
+    </p:spTree>
+    <p:extLst>
+      <p:ext uri="{BB962C8B-B14F-4D97-AF65-F5344CB8AC3E}">
+        <p14:creationId xmlns:p14="http://schemas.microsoft.com/office/powerpoint/2010/main" val="229191435"/>
       </p:ext>
     </p:extLst>
   </p:cSld>
@@ -7424,4 +8807,265 @@
   <a:objectDefaults/>
   <a:extraClrSchemeLst/>
 </a:theme>
+</file>
+
+<file path=ppt/theme/theme2.xml><?xml version="1.0" encoding="utf-8"?>
+<a:theme xmlns:a="http://schemas.openxmlformats.org/drawingml/2006/main" name="Office Theme">
+  <a:themeElements>
+    <a:clrScheme name="Office">
+      <a:dk1>
+        <a:sysClr val="windowText" lastClr="000000"/>
+      </a:dk1>
+      <a:lt1>
+        <a:sysClr val="window" lastClr="FFFFFF"/>
+      </a:lt1>
+      <a:dk2>
+        <a:srgbClr val="44546A"/>
+      </a:dk2>
+      <a:lt2>
+        <a:srgbClr val="E7E6E6"/>
+      </a:lt2>
+      <a:accent1>
+        <a:srgbClr val="4472C4"/>
+      </a:accent1>
+      <a:accent2>
+        <a:srgbClr val="ED7D31"/>
+      </a:accent2>
+      <a:accent3>
+        <a:srgbClr val="A5A5A5"/>
+      </a:accent3>
+      <a:accent4>
+        <a:srgbClr val="FFC000"/>
+      </a:accent4>
+      <a:accent5>
+        <a:srgbClr val="5B9BD5"/>
+      </a:accent5>
+      <a:accent6>
+        <a:srgbClr val="70AD47"/>
+      </a:accent6>
+      <a:hlink>
+        <a:srgbClr val="0563C1"/>
+      </a:hlink>
+      <a:folHlink>
+        <a:srgbClr val="954F72"/>
+      </a:folHlink>
+    </a:clrScheme>
+    <a:fontScheme name="Office">
+      <a:majorFont>
+        <a:latin typeface="Calibri Light" panose="020F0302020204030204"/>
+        <a:ea typeface=""/>
+        <a:cs typeface=""/>
+        <a:font script="Jpan" typeface="Yu Gothic Light"/>
+        <a:font script="Hang" typeface="맑은 고딕"/>
+        <a:font script="Hans" typeface="DengXian Light"/>
+        <a:font script="Hant" typeface="新細明體"/>
+        <a:font script="Arab" typeface="Times New Roman"/>
+        <a:font script="Hebr" typeface="Times New Roman"/>
+        <a:font script="Thai" typeface="Angsana New"/>
+        <a:font script="Ethi" typeface="Nyala"/>
+        <a:font script="Beng" typeface="Vrinda"/>
+        <a:font script="Gujr" typeface="Shruti"/>
+        <a:font script="Khmr" typeface="MoolBoran"/>
+        <a:font script="Knda" typeface="Tunga"/>
+        <a:font script="Guru" typeface="Raavi"/>
+        <a:font script="Cans" typeface="Euphemia"/>
+        <a:font script="Cher" typeface="Plantagenet Cherokee"/>
+        <a:font script="Yiii" typeface="Microsoft Yi Baiti"/>
+        <a:font script="Tibt" typeface="Microsoft Himalaya"/>
+        <a:font script="Thaa" typeface="MV Boli"/>
+        <a:font script="Deva" typeface="Mangal"/>
+        <a:font script="Telu" typeface="Gautami"/>
+        <a:font script="Taml" typeface="Latha"/>
+        <a:font script="Syrc" typeface="Estrangelo Edessa"/>
+        <a:font script="Orya" typeface="Kalinga"/>
+        <a:font script="Mlym" typeface="Kartika"/>
+        <a:font script="Laoo" typeface="DokChampa"/>
+        <a:font script="Sinh" typeface="Iskoola Pota"/>
+        <a:font script="Mong" typeface="Mongolian Baiti"/>
+        <a:font script="Viet" typeface="Times New Roman"/>
+        <a:font script="Uigh" typeface="Microsoft Uighur"/>
+        <a:font script="Geor" typeface="Sylfaen"/>
+      </a:majorFont>
+      <a:minorFont>
+        <a:latin typeface="Calibri" panose="020F0502020204030204"/>
+        <a:ea typeface=""/>
+        <a:cs typeface=""/>
+        <a:font script="Jpan" typeface="Yu Gothic"/>
+        <a:font script="Hang" typeface="맑은 고딕"/>
+        <a:font script="Hans" typeface="DengXian"/>
+        <a:font script="Hant" typeface="新細明體"/>
+        <a:font script="Arab" typeface="Arial"/>
+        <a:font script="Hebr" typeface="Arial"/>
+        <a:font script="Thai" typeface="Cordia New"/>
+        <a:font script="Ethi" typeface="Nyala"/>
+        <a:font script="Beng" typeface="Vrinda"/>
+        <a:font script="Gujr" typeface="Shruti"/>
+        <a:font script="Khmr" typeface="DaunPenh"/>
+        <a:font script="Knda" typeface="Tunga"/>
+        <a:font script="Guru" typeface="Raavi"/>
+        <a:font script="Cans" typeface="Euphemia"/>
+        <a:font script="Cher" typeface="Plantagenet Cherokee"/>
+        <a:font script="Yiii" typeface="Microsoft Yi Baiti"/>
+        <a:font script="Tibt" typeface="Microsoft Himalaya"/>
+        <a:font script="Thaa" typeface="MV Boli"/>
+        <a:font script="Deva" typeface="Mangal"/>
+        <a:font script="Telu" typeface="Gautami"/>
+        <a:font script="Taml" typeface="Latha"/>
+        <a:font script="Syrc" typeface="Estrangelo Edessa"/>
+        <a:font script="Orya" typeface="Kalinga"/>
+        <a:font script="Mlym" typeface="Kartika"/>
+        <a:font script="Laoo" typeface="DokChampa"/>
+        <a:font script="Sinh" typeface="Iskoola Pota"/>
+        <a:font script="Mong" typeface="Mongolian Baiti"/>
+        <a:font script="Viet" typeface="Arial"/>
+        <a:font script="Uigh" typeface="Microsoft Uighur"/>
+        <a:font script="Geor" typeface="Sylfaen"/>
+      </a:minorFont>
+    </a:fontScheme>
+    <a:fmtScheme name="Office">
+      <a:fillStyleLst>
+        <a:solidFill>
+          <a:schemeClr val="phClr"/>
+        </a:solidFill>
+        <a:gradFill rotWithShape="1">
+          <a:gsLst>
+            <a:gs pos="0">
+              <a:schemeClr val="phClr">
+                <a:lumMod val="110000"/>
+                <a:satMod val="105000"/>
+                <a:tint val="67000"/>
+              </a:schemeClr>
+            </a:gs>
+            <a:gs pos="50000">
+              <a:schemeClr val="phClr">
+                <a:lumMod val="105000"/>
+                <a:satMod val="103000"/>
+                <a:tint val="73000"/>
+              </a:schemeClr>
+            </a:gs>
+            <a:gs pos="100000">
+              <a:schemeClr val="phClr">
+                <a:lumMod val="105000"/>
+                <a:satMod val="109000"/>
+                <a:tint val="81000"/>
+              </a:schemeClr>
+            </a:gs>
+          </a:gsLst>
+          <a:lin ang="5400000" scaled="0"/>
+        </a:gradFill>
+        <a:gradFill rotWithShape="1">
+          <a:gsLst>
+            <a:gs pos="0">
+              <a:schemeClr val="phClr">
+                <a:satMod val="103000"/>
+                <a:lumMod val="102000"/>
+                <a:tint val="94000"/>
+              </a:schemeClr>
+            </a:gs>
+            <a:gs pos="50000">
+              <a:schemeClr val="phClr">
+                <a:satMod val="110000"/>
+                <a:lumMod val="100000"/>
+                <a:shade val="100000"/>
+              </a:schemeClr>
+            </a:gs>
+            <a:gs pos="100000">
+              <a:schemeClr val="phClr">
+                <a:lumMod val="99000"/>
+                <a:satMod val="120000"/>
+                <a:shade val="78000"/>
+              </a:schemeClr>
+            </a:gs>
+          </a:gsLst>
+          <a:lin ang="5400000" scaled="0"/>
+        </a:gradFill>
+      </a:fillStyleLst>
+      <a:lnStyleLst>
+        <a:ln w="6350" cap="flat" cmpd="sng" algn="ctr">
+          <a:solidFill>
+            <a:schemeClr val="phClr"/>
+          </a:solidFill>
+          <a:prstDash val="solid"/>
+          <a:miter lim="800000"/>
+        </a:ln>
+        <a:ln w="12700" cap="flat" cmpd="sng" algn="ctr">
+          <a:solidFill>
+            <a:schemeClr val="phClr"/>
+          </a:solidFill>
+          <a:prstDash val="solid"/>
+          <a:miter lim="800000"/>
+        </a:ln>
+        <a:ln w="19050" cap="flat" cmpd="sng" algn="ctr">
+          <a:solidFill>
+            <a:schemeClr val="phClr"/>
+          </a:solidFill>
+          <a:prstDash val="solid"/>
+          <a:miter lim="800000"/>
+        </a:ln>
+      </a:lnStyleLst>
+      <a:effectStyleLst>
+        <a:effectStyle>
+          <a:effectLst/>
+        </a:effectStyle>
+        <a:effectStyle>
+          <a:effectLst/>
+        </a:effectStyle>
+        <a:effectStyle>
+          <a:effectLst>
+            <a:outerShdw blurRad="57150" dist="19050" dir="5400000" algn="ctr" rotWithShape="0">
+              <a:srgbClr val="000000">
+                <a:alpha val="63000"/>
+              </a:srgbClr>
+            </a:outerShdw>
+          </a:effectLst>
+        </a:effectStyle>
+      </a:effectStyleLst>
+      <a:bgFillStyleLst>
+        <a:solidFill>
+          <a:schemeClr val="phClr"/>
+        </a:solidFill>
+        <a:solidFill>
+          <a:schemeClr val="phClr">
+            <a:tint val="95000"/>
+            <a:satMod val="170000"/>
+          </a:schemeClr>
+        </a:solidFill>
+        <a:gradFill rotWithShape="1">
+          <a:gsLst>
+            <a:gs pos="0">
+              <a:schemeClr val="phClr">
+                <a:tint val="93000"/>
+                <a:satMod val="150000"/>
+                <a:shade val="98000"/>
+                <a:lumMod val="102000"/>
+              </a:schemeClr>
+            </a:gs>
+            <a:gs pos="50000">
+              <a:schemeClr val="phClr">
+                <a:tint val="98000"/>
+                <a:satMod val="130000"/>
+                <a:shade val="90000"/>
+                <a:lumMod val="103000"/>
+              </a:schemeClr>
+            </a:gs>
+            <a:gs pos="100000">
+              <a:schemeClr val="phClr">
+                <a:shade val="63000"/>
+                <a:satMod val="120000"/>
+              </a:schemeClr>
+            </a:gs>
+          </a:gsLst>
+          <a:lin ang="5400000" scaled="0"/>
+        </a:gradFill>
+      </a:bgFillStyleLst>
+    </a:fmtScheme>
+  </a:themeElements>
+  <a:objectDefaults/>
+  <a:extraClrSchemeLst/>
+  <a:extLst>
+    <a:ext uri="{05A4C25C-085E-4340-85A3-A5531E510DB2}">
+      <thm15:themeFamily xmlns:thm15="http://schemas.microsoft.com/office/thememl/2012/main" name="Office Theme" id="{62F939B6-93AF-4DB8-9C6B-D6C7DFDC589F}" vid="{4A3C46E8-61CC-4603-A589-7422A47A8E4A}"/>
+    </a:ext>
+  </a:extLst>
+</a:theme>
 </file>
--- a/05.Permissions/05-PermissionsAndAccessControlLists.pptx
+++ b/05.Permissions/05-PermissionsAndAccessControlLists.pptx
@@ -216,7 +216,7 @@
           <a:p>
             <a:fld id="{7E97225E-8DE6-A54A-938D-FB6D5253CC3F}" type="datetimeFigureOut">
               <a:rPr lang="en-US" smtClean="0"/>
-              <a:t>4/13/17</a:t>
+              <a:t>4/19/17</a:t>
             </a:fld>
             <a:endParaRPr lang="en-US"/>
           </a:p>
@@ -665,7 +665,7 @@
           <a:p>
             <a:fld id="{3EA744D9-3FBE-48D8-BF2A-85DF203E4D20}" type="datetimeFigureOut">
               <a:rPr lang="bg-BG" smtClean="0"/>
-              <a:t>13.04.17 г.</a:t>
+              <a:t>19.04.17 г.</a:t>
             </a:fld>
             <a:endParaRPr lang="bg-BG"/>
           </a:p>
@@ -835,7 +835,7 @@
           <a:p>
             <a:fld id="{3EA744D9-3FBE-48D8-BF2A-85DF203E4D20}" type="datetimeFigureOut">
               <a:rPr lang="bg-BG" smtClean="0"/>
-              <a:t>13.04.17 г.</a:t>
+              <a:t>19.04.17 г.</a:t>
             </a:fld>
             <a:endParaRPr lang="bg-BG"/>
           </a:p>
@@ -1015,7 +1015,7 @@
           <a:p>
             <a:fld id="{3EA744D9-3FBE-48D8-BF2A-85DF203E4D20}" type="datetimeFigureOut">
               <a:rPr lang="bg-BG" smtClean="0"/>
-              <a:t>13.04.17 г.</a:t>
+              <a:t>19.04.17 г.</a:t>
             </a:fld>
             <a:endParaRPr lang="bg-BG"/>
           </a:p>
@@ -1185,7 +1185,7 @@
           <a:p>
             <a:fld id="{3EA744D9-3FBE-48D8-BF2A-85DF203E4D20}" type="datetimeFigureOut">
               <a:rPr lang="bg-BG" smtClean="0"/>
-              <a:t>13.04.17 г.</a:t>
+              <a:t>19.04.17 г.</a:t>
             </a:fld>
             <a:endParaRPr lang="bg-BG"/>
           </a:p>
@@ -1431,7 +1431,7 @@
           <a:p>
             <a:fld id="{3EA744D9-3FBE-48D8-BF2A-85DF203E4D20}" type="datetimeFigureOut">
               <a:rPr lang="bg-BG" smtClean="0"/>
-              <a:t>13.04.17 г.</a:t>
+              <a:t>19.04.17 г.</a:t>
             </a:fld>
             <a:endParaRPr lang="bg-BG"/>
           </a:p>
@@ -1719,7 +1719,7 @@
           <a:p>
             <a:fld id="{3EA744D9-3FBE-48D8-BF2A-85DF203E4D20}" type="datetimeFigureOut">
               <a:rPr lang="bg-BG" smtClean="0"/>
-              <a:t>13.04.17 г.</a:t>
+              <a:t>19.04.17 г.</a:t>
             </a:fld>
             <a:endParaRPr lang="bg-BG"/>
           </a:p>
@@ -2141,7 +2141,7 @@
           <a:p>
             <a:fld id="{3EA744D9-3FBE-48D8-BF2A-85DF203E4D20}" type="datetimeFigureOut">
               <a:rPr lang="bg-BG" smtClean="0"/>
-              <a:t>13.04.17 г.</a:t>
+              <a:t>19.04.17 г.</a:t>
             </a:fld>
             <a:endParaRPr lang="bg-BG"/>
           </a:p>
@@ -2259,7 +2259,7 @@
           <a:p>
             <a:fld id="{3EA744D9-3FBE-48D8-BF2A-85DF203E4D20}" type="datetimeFigureOut">
               <a:rPr lang="bg-BG" smtClean="0"/>
-              <a:t>13.04.17 г.</a:t>
+              <a:t>19.04.17 г.</a:t>
             </a:fld>
             <a:endParaRPr lang="bg-BG"/>
           </a:p>
@@ -2354,7 +2354,7 @@
           <a:p>
             <a:fld id="{3EA744D9-3FBE-48D8-BF2A-85DF203E4D20}" type="datetimeFigureOut">
               <a:rPr lang="bg-BG" smtClean="0"/>
-              <a:t>13.04.17 г.</a:t>
+              <a:t>19.04.17 г.</a:t>
             </a:fld>
             <a:endParaRPr lang="bg-BG"/>
           </a:p>
@@ -2631,7 +2631,7 @@
           <a:p>
             <a:fld id="{3EA744D9-3FBE-48D8-BF2A-85DF203E4D20}" type="datetimeFigureOut">
               <a:rPr lang="bg-BG" smtClean="0"/>
-              <a:t>13.04.17 г.</a:t>
+              <a:t>19.04.17 г.</a:t>
             </a:fld>
             <a:endParaRPr lang="bg-BG"/>
           </a:p>
@@ -2884,7 +2884,7 @@
           <a:p>
             <a:fld id="{3EA744D9-3FBE-48D8-BF2A-85DF203E4D20}" type="datetimeFigureOut">
               <a:rPr lang="bg-BG" smtClean="0"/>
-              <a:t>13.04.17 г.</a:t>
+              <a:t>19.04.17 г.</a:t>
             </a:fld>
             <a:endParaRPr lang="bg-BG"/>
           </a:p>
@@ -3106,7 +3106,7 @@
           <a:p>
             <a:fld id="{3EA744D9-3FBE-48D8-BF2A-85DF203E4D20}" type="datetimeFigureOut">
               <a:rPr lang="bg-BG" smtClean="0"/>
-              <a:t>13.04.17 г.</a:t>
+              <a:t>19.04.17 г.</a:t>
             </a:fld>
             <a:endParaRPr lang="bg-BG"/>
           </a:p>
@@ -4986,49 +4986,73 @@
                   <a:schemeClr val="accent1"/>
                 </a:solidFill>
               </a:rPr>
-              <a:t>Special </a:t>
-            </a:r>
-            <a:r>
+              <a:t>Special permissions</a:t>
+            </a:r>
+            <a:br>
               <a:rPr lang="en-US" sz="2000" dirty="0" smtClean="0">
                 <a:solidFill>
                   <a:schemeClr val="accent1"/>
                 </a:solidFill>
               </a:rPr>
-              <a:t>permissions</a:t>
-            </a:r>
-            <a:br>
+            </a:br>
+            <a:r>
               <a:rPr lang="en-US" sz="2000" dirty="0" smtClean="0">
                 <a:solidFill>
-                  <a:schemeClr val="accent1"/>
-                </a:solidFill>
-              </a:rPr>
-            </a:br>
-            <a:r>
+                  <a:schemeClr val="accent6"/>
+                </a:solidFill>
+              </a:rPr>
+              <a:t>SUID/Set User Id  =&gt; a program is executed with the file owner’s permissions. Decimal value: 4.</a:t>
+            </a:r>
+            <a:br>
               <a:rPr lang="en-US" sz="2000" dirty="0" smtClean="0">
                 <a:solidFill>
                   <a:schemeClr val="accent6"/>
                 </a:solidFill>
               </a:rPr>
-              <a:t>SUID/Set User Id  =&gt; a program is executed with the file owner’s permissions. Decimal value: 4</a:t>
-            </a:r>
+            </a:br>
             <a:r>
               <a:rPr lang="en-US" sz="2000" dirty="0" smtClean="0">
                 <a:solidFill>
-                  <a:schemeClr val="accent6"/>
-                </a:solidFill>
-              </a:rPr>
-              <a:t>.</a:t>
-            </a:r>
-            <a:br>
+                  <a:schemeClr val="bg1"/>
+                </a:solidFill>
+              </a:rPr>
+              <a:t>ls </a:t>
+            </a:r>
+            <a:r>
+              <a:rPr lang="mr-IN" sz="2000" dirty="0" smtClean="0">
+                <a:solidFill>
+                  <a:schemeClr val="bg1"/>
+                </a:solidFill>
+              </a:rPr>
+              <a:t>–</a:t>
+            </a:r>
+            <a:r>
               <a:rPr lang="en-US" sz="2000" dirty="0" smtClean="0">
                 <a:solidFill>
-                  <a:schemeClr val="accent6"/>
-                </a:solidFill>
-              </a:rPr>
-            </a:br>
+                  <a:schemeClr val="bg1"/>
+                </a:solidFill>
+              </a:rPr>
+              <a:t>l /bin/</a:t>
+            </a:r>
+            <a:r>
+              <a:rPr lang="en-US" sz="2000" dirty="0" err="1" smtClean="0">
+                <a:solidFill>
+                  <a:schemeClr val="bg1"/>
+                </a:solidFill>
+              </a:rPr>
+              <a:t>passwd</a:t>
+            </a:r>
             <a:r>
               <a:rPr lang="en-US" sz="2000" dirty="0" smtClean="0">
                 <a:solidFill>
+                  <a:schemeClr val="accent6"/>
+                </a:solidFill>
+              </a:rPr>
+              <a:t>; </a:t>
+            </a:r>
+            <a:r>
+              <a:rPr lang="en-US" sz="2000" dirty="0" smtClean="0">
+                <a:solidFill>
                   <a:schemeClr val="bg1"/>
                 </a:solidFill>
               </a:rPr>
@@ -5048,7 +5072,7 @@
                   <a:schemeClr val="bg1"/>
                 </a:solidFill>
               </a:rPr>
-              <a:t>l /bin/</a:t>
+              <a:t>l /</a:t>
             </a:r>
             <a:r>
               <a:rPr lang="en-US" sz="2000" dirty="0" err="1" smtClean="0">
@@ -5056,6 +5080,22 @@
                   <a:schemeClr val="bg1"/>
                 </a:solidFill>
               </a:rPr>
+              <a:t>etc</a:t>
+            </a:r>
+            <a:r>
+              <a:rPr lang="en-US" sz="2000" dirty="0" smtClean="0">
+                <a:solidFill>
+                  <a:schemeClr val="bg1"/>
+                </a:solidFill>
+              </a:rPr>
+              <a:t>/</a:t>
+            </a:r>
+            <a:r>
+              <a:rPr lang="en-US" sz="2000" dirty="0" err="1" smtClean="0">
+                <a:solidFill>
+                  <a:schemeClr val="bg1"/>
+                </a:solidFill>
+              </a:rPr>
               <a:t>passwd</a:t>
             </a:r>
             <a:r>
@@ -5064,11 +5104,93 @@
                   <a:schemeClr val="accent6"/>
                 </a:solidFill>
               </a:rPr>
-              <a:t>; </a:t>
-            </a:r>
-            <a:r>
+              <a:t>;</a:t>
+            </a:r>
+            <a:br>
               <a:rPr lang="en-US" sz="2000" dirty="0" smtClean="0">
                 <a:solidFill>
+                  <a:schemeClr val="accent6"/>
+                </a:solidFill>
+              </a:rPr>
+            </a:br>
+            <a:r>
+              <a:rPr lang="en-US" sz="2000" dirty="0" smtClean="0">
+                <a:solidFill>
+                  <a:schemeClr val="accent6"/>
+                </a:solidFill>
+              </a:rPr>
+              <a:t/>
+            </a:r>
+            <a:br>
+              <a:rPr lang="en-US" sz="2000" dirty="0" smtClean="0">
+                <a:solidFill>
+                  <a:schemeClr val="accent6"/>
+                </a:solidFill>
+              </a:rPr>
+            </a:br>
+            <a:r>
+              <a:rPr lang="en-US" sz="2000" dirty="0" smtClean="0">
+                <a:solidFill>
+                  <a:schemeClr val="accent6"/>
+                </a:solidFill>
+              </a:rPr>
+              <a:t>SGID/Set Group Id =&gt; files created in the directory inherit it’s group id.</a:t>
+            </a:r>
+            <a:br>
+              <a:rPr lang="en-US" sz="2000" dirty="0" smtClean="0">
+                <a:solidFill>
+                  <a:schemeClr val="accent6"/>
+                </a:solidFill>
+              </a:rPr>
+            </a:br>
+            <a:r>
+              <a:rPr lang="en-US" sz="2000" dirty="0" smtClean="0">
+                <a:solidFill>
+                  <a:schemeClr val="accent6"/>
+                </a:solidFill>
+              </a:rPr>
+              <a:t>Decimal value: 2.</a:t>
+            </a:r>
+            <a:br>
+              <a:rPr lang="en-US" sz="2000" dirty="0" smtClean="0">
+                <a:solidFill>
+                  <a:schemeClr val="accent6"/>
+                </a:solidFill>
+              </a:rPr>
+            </a:br>
+            <a:r>
+              <a:rPr lang="en-US" sz="2000" dirty="0" smtClean="0">
+                <a:solidFill>
+                  <a:schemeClr val="accent6"/>
+                </a:solidFill>
+              </a:rPr>
+              <a:t>Sticky bit =&gt; any user can create files, but only the owner of the file can delete it.</a:t>
+            </a:r>
+            <a:br>
+              <a:rPr lang="en-US" sz="2000" dirty="0" smtClean="0">
+                <a:solidFill>
+                  <a:schemeClr val="accent6"/>
+                </a:solidFill>
+              </a:rPr>
+            </a:br>
+            <a:r>
+              <a:rPr lang="en-US" sz="2000" dirty="0" smtClean="0">
+                <a:solidFill>
+                  <a:schemeClr val="accent6"/>
+                </a:solidFill>
+              </a:rPr>
+              <a:t>Decimal value: 1.</a:t>
+            </a:r>
+            <a:br>
+              <a:rPr lang="en-US" sz="2000" dirty="0" smtClean="0">
+                <a:solidFill>
+                  <a:schemeClr val="accent6"/>
+                </a:solidFill>
+              </a:rPr>
+            </a:br>
+            <a:r>
+              <a:rPr lang="en-US" sz="2000" dirty="0" smtClean="0">
+                <a:solidFill>
                   <a:schemeClr val="bg1"/>
                 </a:solidFill>
               </a:rPr>
@@ -5096,11 +5218,118 @@
                   <a:schemeClr val="bg1"/>
                 </a:solidFill>
               </a:rPr>
-              <a:t>etc</a:t>
+              <a:t>tmp</a:t>
             </a:r>
             <a:r>
               <a:rPr lang="en-US" sz="2000" dirty="0" smtClean="0">
                 <a:solidFill>
+                  <a:schemeClr val="accent6"/>
+                </a:solidFill>
+              </a:rPr>
+              <a:t>;</a:t>
+            </a:r>
+            <a:br>
+              <a:rPr lang="en-US" sz="2000" dirty="0" smtClean="0">
+                <a:solidFill>
+                  <a:schemeClr val="accent6"/>
+                </a:solidFill>
+              </a:rPr>
+            </a:br>
+            <a:r>
+              <a:rPr lang="en-US" sz="2000" dirty="0">
+                <a:solidFill>
+                  <a:schemeClr val="accent6"/>
+                </a:solidFill>
+              </a:rPr>
+              <a:t/>
+            </a:r>
+            <a:br>
+              <a:rPr lang="en-US" sz="2000" dirty="0">
+                <a:solidFill>
+                  <a:schemeClr val="accent6"/>
+                </a:solidFill>
+              </a:rPr>
+            </a:br>
+            <a:r>
+              <a:rPr lang="en-US" sz="2000" dirty="0" smtClean="0">
+                <a:solidFill>
+                  <a:srgbClr val="FF0000"/>
+                </a:solidFill>
+              </a:rPr>
+              <a:t>Exercises:</a:t>
+            </a:r>
+            <a:r>
+              <a:rPr lang="en-US" sz="2000" dirty="0" smtClean="0">
+                <a:solidFill>
+                  <a:schemeClr val="bg1"/>
+                </a:solidFill>
+              </a:rPr>
+              <a:t/>
+            </a:r>
+            <a:br>
+              <a:rPr lang="en-US" sz="2000" dirty="0" smtClean="0">
+                <a:solidFill>
+                  <a:schemeClr val="bg1"/>
+                </a:solidFill>
+              </a:rPr>
+            </a:br>
+            <a:r>
+              <a:rPr lang="en-US" sz="2000" dirty="0" smtClean="0">
+                <a:solidFill>
+                  <a:schemeClr val="accent6"/>
+                </a:solidFill>
+              </a:rPr>
+              <a:t>1. Create a file and list its permissions, what is their value in decimal ? </a:t>
+            </a:r>
+            <a:br>
+              <a:rPr lang="en-US" sz="2000" dirty="0" smtClean="0">
+                <a:solidFill>
+                  <a:schemeClr val="accent6"/>
+                </a:solidFill>
+              </a:rPr>
+            </a:br>
+            <a:r>
+              <a:rPr lang="en-US" sz="2000" dirty="0" smtClean="0">
+                <a:solidFill>
+                  <a:schemeClr val="accent6"/>
+                </a:solidFill>
+              </a:rPr>
+              <a:t>2. Modify the permission using ‘</a:t>
+            </a:r>
+            <a:r>
+              <a:rPr lang="en-US" sz="2000" dirty="0" err="1" smtClean="0">
+                <a:solidFill>
+                  <a:schemeClr val="bg1"/>
+                </a:solidFill>
+              </a:rPr>
+              <a:t>chmod</a:t>
+            </a:r>
+            <a:r>
+              <a:rPr lang="en-US" sz="2000" dirty="0" smtClean="0">
+                <a:solidFill>
+                  <a:schemeClr val="accent6"/>
+                </a:solidFill>
+              </a:rPr>
+              <a:t>’, read the manual page first.</a:t>
+            </a:r>
+            <a:br>
+              <a:rPr lang="en-US" sz="2000" dirty="0" smtClean="0">
+                <a:solidFill>
+                  <a:schemeClr val="accent6"/>
+                </a:solidFill>
+              </a:rPr>
+            </a:br>
+            <a:r>
+              <a:rPr lang="en-US" sz="2000" dirty="0" smtClean="0">
+                <a:solidFill>
+                  <a:schemeClr val="accent6"/>
+                </a:solidFill>
+              </a:rPr>
+              <a:t>3. List the permission on ‘</a:t>
+            </a:r>
+            <a:r>
+              <a:rPr lang="en-US" sz="2000" dirty="0" smtClean="0">
+                <a:solidFill>
                   <a:schemeClr val="bg1"/>
                 </a:solidFill>
               </a:rPr>
@@ -5112,7 +5341,7 @@
                   <a:schemeClr val="bg1"/>
                 </a:solidFill>
               </a:rPr>
-              <a:t>passwd</a:t>
+              <a:t>tmp</a:t>
             </a:r>
             <a:r>
               <a:rPr lang="en-US" sz="2000" dirty="0" smtClean="0">
@@ -5120,395 +5349,118 @@
                   <a:schemeClr val="accent6"/>
                 </a:solidFill>
               </a:rPr>
-              <a:t>;</a:t>
-            </a:r>
-            <a:r>
+              <a:t>/’ directory, do you see something different ? </a:t>
+            </a:r>
+            <a:br>
               <a:rPr lang="en-US" sz="2000" dirty="0" smtClean="0">
                 <a:solidFill>
                   <a:schemeClr val="accent6"/>
                 </a:solidFill>
               </a:rPr>
-              <a:t/>
-            </a:r>
-            <a:br>
+            </a:br>
+            <a:r>
               <a:rPr lang="en-US" sz="2000" dirty="0" smtClean="0">
                 <a:solidFill>
                   <a:schemeClr val="accent6"/>
                 </a:solidFill>
               </a:rPr>
-            </a:br>
+              <a:t>4. Create two local users john and </a:t>
+            </a:r>
+            <a:r>
+              <a:rPr lang="en-US" sz="2000" dirty="0" err="1" smtClean="0">
+                <a:solidFill>
+                  <a:schemeClr val="accent6"/>
+                </a:solidFill>
+              </a:rPr>
+              <a:t>url</a:t>
+            </a:r>
             <a:r>
               <a:rPr lang="en-US" sz="2000" dirty="0" smtClean="0">
                 <a:solidFill>
                   <a:schemeClr val="accent6"/>
                 </a:solidFill>
               </a:rPr>
-              <a:t/>
-            </a:r>
-            <a:br>
+              <a:t>, </a:t>
+            </a:r>
+            <a:r>
+              <a:rPr lang="en-US" sz="2000" dirty="0" err="1" smtClean="0">
+                <a:solidFill>
+                  <a:schemeClr val="bg1"/>
+                </a:solidFill>
+              </a:rPr>
+              <a:t>su</a:t>
+            </a:r>
+            <a:r>
               <a:rPr lang="en-US" sz="2000" dirty="0" smtClean="0">
                 <a:solidFill>
-                  <a:schemeClr val="accent6"/>
-                </a:solidFill>
-              </a:rPr>
-            </a:br>
+                  <a:schemeClr val="bg1"/>
+                </a:solidFill>
+              </a:rPr>
+              <a:t> </a:t>
+            </a:r>
             <a:r>
               <a:rPr lang="en-US" sz="2000" dirty="0" smtClean="0">
                 <a:solidFill>
                   <a:schemeClr val="accent6"/>
                 </a:solidFill>
               </a:rPr>
-              <a:t>SGID/Set Group Id =&gt; files created in the directory inherit it’s group id.</a:t>
-            </a:r>
-            <a:br>
+              <a:t>to each one of them and add a file in </a:t>
+            </a:r>
+            <a:r>
               <a:rPr lang="en-US" sz="2000" dirty="0" smtClean="0">
                 <a:solidFill>
-                  <a:schemeClr val="accent6"/>
-                </a:solidFill>
-              </a:rPr>
-            </a:br>
+                  <a:schemeClr val="bg1"/>
+                </a:solidFill>
+              </a:rPr>
+              <a:t>/</a:t>
+            </a:r>
+            <a:r>
+              <a:rPr lang="en-US" sz="2000" dirty="0" err="1" smtClean="0">
+                <a:solidFill>
+                  <a:schemeClr val="bg1"/>
+                </a:solidFill>
+              </a:rPr>
+              <a:t>tmp</a:t>
+            </a:r>
             <a:r>
               <a:rPr lang="en-US" sz="2000" dirty="0" smtClean="0">
                 <a:solidFill>
-                  <a:schemeClr val="accent6"/>
-                </a:solidFill>
-              </a:rPr>
-              <a:t>Decimal value: 2.</a:t>
-            </a:r>
-            <a:br>
+                  <a:schemeClr val="bg1"/>
+                </a:solidFill>
+              </a:rPr>
+              <a:t>, </a:t>
+            </a:r>
+            <a:r>
               <a:rPr lang="en-US" sz="2000" dirty="0" smtClean="0">
                 <a:solidFill>
                   <a:schemeClr val="accent6"/>
                 </a:solidFill>
               </a:rPr>
-            </a:br>
+              <a:t>change the file other permission to be writeable.</a:t>
+            </a:r>
             <a:r>
               <a:rPr lang="en-US" sz="2000" dirty="0" smtClean="0">
                 <a:solidFill>
-                  <a:schemeClr val="accent6"/>
-                </a:solidFill>
-              </a:rPr>
-              <a:t>Sticky bit =&gt; any user can create files, but only the owner of the file can delete it.</a:t>
-            </a:r>
-            <a:br>
+                  <a:schemeClr val="bg1"/>
+                </a:solidFill>
+              </a:rPr>
+              <a:t> </a:t>
+            </a:r>
+            <a:r>
+              <a:rPr lang="en-US" sz="2000" dirty="0">
+                <a:solidFill>
+                  <a:schemeClr val="accent6"/>
+                </a:solidFill>
+              </a:rPr>
+              <a:t>S</a:t>
+            </a:r>
+            <a:r>
               <a:rPr lang="en-US" sz="2000" dirty="0" smtClean="0">
                 <a:solidFill>
                   <a:schemeClr val="accent6"/>
                 </a:solidFill>
               </a:rPr>
-            </a:br>
-            <a:r>
-              <a:rPr lang="en-US" sz="2000" dirty="0" smtClean="0">
-                <a:solidFill>
-                  <a:schemeClr val="accent6"/>
-                </a:solidFill>
-              </a:rPr>
-              <a:t>Decimal value: 1</a:t>
-            </a:r>
-            <a:r>
-              <a:rPr lang="en-US" sz="2000" dirty="0" smtClean="0">
-                <a:solidFill>
-                  <a:schemeClr val="accent6"/>
-                </a:solidFill>
-              </a:rPr>
-              <a:t>.</a:t>
-            </a:r>
-            <a:br>
-              <a:rPr lang="en-US" sz="2000" dirty="0" smtClean="0">
-                <a:solidFill>
-                  <a:schemeClr val="accent6"/>
-                </a:solidFill>
-              </a:rPr>
-            </a:br>
-            <a:r>
-              <a:rPr lang="en-US" sz="2000" dirty="0" smtClean="0">
-                <a:solidFill>
-                  <a:schemeClr val="bg1"/>
-                </a:solidFill>
-              </a:rPr>
-              <a:t>ls </a:t>
-            </a:r>
-            <a:r>
-              <a:rPr lang="mr-IN" sz="2000" dirty="0" smtClean="0">
-                <a:solidFill>
-                  <a:schemeClr val="bg1"/>
-                </a:solidFill>
-              </a:rPr>
-              <a:t>–</a:t>
-            </a:r>
-            <a:r>
-              <a:rPr lang="en-US" sz="2000" dirty="0" smtClean="0">
-                <a:solidFill>
-                  <a:schemeClr val="bg1"/>
-                </a:solidFill>
-              </a:rPr>
-              <a:t>l /</a:t>
-            </a:r>
-            <a:r>
-              <a:rPr lang="en-US" sz="2000" dirty="0" err="1" smtClean="0">
-                <a:solidFill>
-                  <a:schemeClr val="bg1"/>
-                </a:solidFill>
-              </a:rPr>
-              <a:t>tmp</a:t>
-            </a:r>
-            <a:r>
-              <a:rPr lang="en-US" sz="2000" dirty="0" smtClean="0">
-                <a:solidFill>
-                  <a:schemeClr val="accent6"/>
-                </a:solidFill>
-              </a:rPr>
-              <a:t>;</a:t>
-            </a:r>
-            <a:r>
-              <a:rPr lang="en-US" sz="2000" dirty="0" smtClean="0">
-                <a:solidFill>
-                  <a:schemeClr val="accent6"/>
-                </a:solidFill>
-              </a:rPr>
-              <a:t/>
-            </a:r>
-            <a:br>
-              <a:rPr lang="en-US" sz="2000" dirty="0" smtClean="0">
-                <a:solidFill>
-                  <a:schemeClr val="accent6"/>
-                </a:solidFill>
-              </a:rPr>
-            </a:br>
-            <a:r>
-              <a:rPr lang="en-US" sz="2000" dirty="0">
-                <a:solidFill>
-                  <a:schemeClr val="accent6"/>
-                </a:solidFill>
-              </a:rPr>
-              <a:t/>
-            </a:r>
-            <a:br>
-              <a:rPr lang="en-US" sz="2000" dirty="0">
-                <a:solidFill>
-                  <a:schemeClr val="accent6"/>
-                </a:solidFill>
-              </a:rPr>
-            </a:br>
-            <a:r>
-              <a:rPr lang="en-US" sz="2000" dirty="0" smtClean="0">
-                <a:solidFill>
-                  <a:srgbClr val="FF0000"/>
-                </a:solidFill>
-              </a:rPr>
-              <a:t>Exercises:</a:t>
-            </a:r>
-            <a:r>
-              <a:rPr lang="en-US" sz="2000" dirty="0" smtClean="0">
-                <a:solidFill>
-                  <a:schemeClr val="bg1"/>
-                </a:solidFill>
-              </a:rPr>
-              <a:t/>
-            </a:r>
-            <a:br>
-              <a:rPr lang="en-US" sz="2000" dirty="0" smtClean="0">
-                <a:solidFill>
-                  <a:schemeClr val="bg1"/>
-                </a:solidFill>
-              </a:rPr>
-            </a:br>
-            <a:r>
-              <a:rPr lang="en-US" sz="2000" dirty="0" smtClean="0">
-                <a:solidFill>
-                  <a:schemeClr val="accent6"/>
-                </a:solidFill>
-              </a:rPr>
-              <a:t>1. Create a file and list its permissions, what is their value in decimal ? </a:t>
-            </a:r>
-            <a:br>
-              <a:rPr lang="en-US" sz="2000" dirty="0" smtClean="0">
-                <a:solidFill>
-                  <a:schemeClr val="accent6"/>
-                </a:solidFill>
-              </a:rPr>
-            </a:br>
-            <a:r>
-              <a:rPr lang="en-US" sz="2000" dirty="0" smtClean="0">
-                <a:solidFill>
-                  <a:schemeClr val="accent6"/>
-                </a:solidFill>
-              </a:rPr>
-              <a:t>2. Modify the permission using ‘</a:t>
-            </a:r>
-            <a:r>
-              <a:rPr lang="en-US" sz="2000" dirty="0" err="1" smtClean="0">
-                <a:solidFill>
-                  <a:schemeClr val="bg1"/>
-                </a:solidFill>
-              </a:rPr>
-              <a:t>chmod</a:t>
-            </a:r>
-            <a:r>
-              <a:rPr lang="en-US" sz="2000" dirty="0" smtClean="0">
-                <a:solidFill>
-                  <a:schemeClr val="accent6"/>
-                </a:solidFill>
-              </a:rPr>
-              <a:t>’, read the manual page first.</a:t>
-            </a:r>
-            <a:br>
-              <a:rPr lang="en-US" sz="2000" dirty="0" smtClean="0">
-                <a:solidFill>
-                  <a:schemeClr val="accent6"/>
-                </a:solidFill>
-              </a:rPr>
-            </a:br>
-            <a:r>
-              <a:rPr lang="en-US" sz="2000" dirty="0" smtClean="0">
-                <a:solidFill>
-                  <a:schemeClr val="accent6"/>
-                </a:solidFill>
-              </a:rPr>
-              <a:t>3. List the permission on ‘</a:t>
-            </a:r>
-            <a:r>
-              <a:rPr lang="en-US" sz="2000" dirty="0" smtClean="0">
-                <a:solidFill>
-                  <a:schemeClr val="bg1"/>
-                </a:solidFill>
-              </a:rPr>
-              <a:t>/</a:t>
-            </a:r>
-            <a:r>
-              <a:rPr lang="en-US" sz="2000" dirty="0" err="1" smtClean="0">
-                <a:solidFill>
-                  <a:schemeClr val="bg1"/>
-                </a:solidFill>
-              </a:rPr>
-              <a:t>tmp</a:t>
-            </a:r>
-            <a:r>
-              <a:rPr lang="en-US" sz="2000" dirty="0" smtClean="0">
-                <a:solidFill>
-                  <a:schemeClr val="accent6"/>
-                </a:solidFill>
-              </a:rPr>
-              <a:t>/’ directory, do you see something different ? </a:t>
-            </a:r>
-            <a:br>
-              <a:rPr lang="en-US" sz="2000" dirty="0" smtClean="0">
-                <a:solidFill>
-                  <a:schemeClr val="accent6"/>
-                </a:solidFill>
-              </a:rPr>
-            </a:br>
-            <a:r>
-              <a:rPr lang="en-US" sz="2000" dirty="0" smtClean="0">
-                <a:solidFill>
-                  <a:schemeClr val="accent6"/>
-                </a:solidFill>
-              </a:rPr>
-              <a:t>4. Create two local users john and </a:t>
-            </a:r>
-            <a:r>
-              <a:rPr lang="en-US" sz="2000" dirty="0" err="1" smtClean="0">
-                <a:solidFill>
-                  <a:schemeClr val="accent6"/>
-                </a:solidFill>
-              </a:rPr>
-              <a:t>url</a:t>
-            </a:r>
-            <a:r>
-              <a:rPr lang="en-US" sz="2000" dirty="0" smtClean="0">
-                <a:solidFill>
-                  <a:schemeClr val="accent6"/>
-                </a:solidFill>
-              </a:rPr>
-              <a:t>, </a:t>
-            </a:r>
-            <a:r>
-              <a:rPr lang="en-US" sz="2000" dirty="0" err="1" smtClean="0">
-                <a:solidFill>
-                  <a:schemeClr val="bg1"/>
-                </a:solidFill>
-              </a:rPr>
-              <a:t>su</a:t>
-            </a:r>
-            <a:r>
-              <a:rPr lang="en-US" sz="2000" dirty="0" smtClean="0">
-                <a:solidFill>
-                  <a:schemeClr val="bg1"/>
-                </a:solidFill>
-              </a:rPr>
-              <a:t> </a:t>
-            </a:r>
-            <a:r>
-              <a:rPr lang="en-US" sz="2000" dirty="0" smtClean="0">
-                <a:solidFill>
-                  <a:schemeClr val="accent6"/>
-                </a:solidFill>
-              </a:rPr>
-              <a:t>to each one of them and add a file in </a:t>
-            </a:r>
-            <a:r>
-              <a:rPr lang="en-US" sz="2000" dirty="0" smtClean="0">
-                <a:solidFill>
-                  <a:schemeClr val="bg1"/>
-                </a:solidFill>
-              </a:rPr>
-              <a:t>/</a:t>
-            </a:r>
-            <a:r>
-              <a:rPr lang="en-US" sz="2000" dirty="0" err="1" smtClean="0">
-                <a:solidFill>
-                  <a:schemeClr val="bg1"/>
-                </a:solidFill>
-              </a:rPr>
-              <a:t>tmp</a:t>
-            </a:r>
-            <a:r>
-              <a:rPr lang="en-US" sz="2000" dirty="0" smtClean="0">
-                <a:solidFill>
-                  <a:schemeClr val="bg1"/>
-                </a:solidFill>
-              </a:rPr>
-              <a:t>, </a:t>
-            </a:r>
-            <a:r>
-              <a:rPr lang="en-US" sz="2000" dirty="0" smtClean="0">
-                <a:solidFill>
-                  <a:schemeClr val="accent6"/>
-                </a:solidFill>
-              </a:rPr>
-              <a:t>change the file other permission to be writeable.</a:t>
-            </a:r>
-            <a:r>
-              <a:rPr lang="en-US" sz="2000" dirty="0" smtClean="0">
-                <a:solidFill>
-                  <a:schemeClr val="bg1"/>
-                </a:solidFill>
-              </a:rPr>
-              <a:t> </a:t>
-            </a:r>
-            <a:r>
-              <a:rPr lang="en-US" sz="2000" dirty="0">
-                <a:solidFill>
-                  <a:schemeClr val="accent6"/>
-                </a:solidFill>
-              </a:rPr>
-              <a:t>S</a:t>
-            </a:r>
-            <a:r>
-              <a:rPr lang="en-US" sz="2000" dirty="0" smtClean="0">
-                <a:solidFill>
-                  <a:schemeClr val="accent6"/>
-                </a:solidFill>
-              </a:rPr>
-              <a:t>u </a:t>
-            </a:r>
-            <a:r>
-              <a:rPr lang="en-US" sz="2000" dirty="0" smtClean="0">
-                <a:solidFill>
-                  <a:schemeClr val="accent6"/>
-                </a:solidFill>
-              </a:rPr>
-              <a:t>to to other one and try to delete it.</a:t>
+              <a:t>u to to other one and try to delete it.</a:t>
             </a:r>
             <a:br>
               <a:rPr lang="en-US" sz="2000" dirty="0" smtClean="0">
@@ -7027,53 +6979,61 @@
                   <a:schemeClr val="accent6"/>
                 </a:solidFill>
               </a:rPr>
-              <a:t> ( Access Control Lists ) =&gt; a way to add user-extended permissions</a:t>
-            </a:r>
+              <a:t> ( Access Control Lists ) =&gt; a way to add user-extended permissions. The same permission flags apply. New files and subdirectories can automatically inherit ACL settings from the parent directory default ACLs, if they are set.</a:t>
+            </a:r>
+            <a:r>
+              <a:rPr lang="en-US" sz="1800" dirty="0">
+                <a:solidFill>
+                  <a:schemeClr val="accent6"/>
+                </a:solidFill>
+              </a:rPr>
+              <a:t/>
+            </a:r>
+            <a:br>
+              <a:rPr lang="en-US" sz="1800" dirty="0">
+                <a:solidFill>
+                  <a:schemeClr val="accent6"/>
+                </a:solidFill>
+              </a:rPr>
+            </a:br>
             <a:r>
               <a:rPr lang="en-US" sz="1800" dirty="0" smtClean="0">
                 <a:solidFill>
                   <a:schemeClr val="accent6"/>
                 </a:solidFill>
               </a:rPr>
-              <a:t>. The same permission flags apply. New files and subdirectories can automatically inherit ACL settings from the parent directory default ACLs, if they are set.</a:t>
-            </a:r>
-            <a:r>
-              <a:rPr lang="en-US" sz="1800" dirty="0">
-                <a:solidFill>
-                  <a:schemeClr val="accent6"/>
-                </a:solidFill>
-              </a:rPr>
-              <a:t/>
-            </a:r>
-            <a:br>
-              <a:rPr lang="en-US" sz="1800" dirty="0">
-                <a:solidFill>
-                  <a:schemeClr val="accent6"/>
-                </a:solidFill>
-              </a:rPr>
-            </a:br>
-            <a:r>
+              <a:t/>
+            </a:r>
+            <a:br>
               <a:rPr lang="en-US" sz="1800" dirty="0" smtClean="0">
                 <a:solidFill>
                   <a:schemeClr val="accent6"/>
                 </a:solidFill>
               </a:rPr>
-              <a:t/>
-            </a:r>
-            <a:br>
+            </a:br>
+            <a:r>
+              <a:rPr lang="en-US" sz="1800" dirty="0" err="1" smtClean="0">
+                <a:solidFill>
+                  <a:schemeClr val="bg1"/>
+                </a:solidFill>
+              </a:rPr>
+              <a:t>getfacl</a:t>
+            </a:r>
+            <a:r>
               <a:rPr lang="en-US" sz="1800" dirty="0" smtClean="0">
                 <a:solidFill>
-                  <a:schemeClr val="accent6"/>
-                </a:solidFill>
-              </a:rPr>
-            </a:br>
+                  <a:schemeClr val="bg1"/>
+                </a:solidFill>
+              </a:rPr>
+              <a:t> /</a:t>
+            </a:r>
             <a:r>
               <a:rPr lang="en-US" sz="1800" dirty="0" err="1" smtClean="0">
                 <a:solidFill>
                   <a:schemeClr val="bg1"/>
                 </a:solidFill>
               </a:rPr>
-              <a:t>getfacl</a:t>
+              <a:t>tmp</a:t>
             </a:r>
             <a:r>
               <a:rPr lang="en-US" sz="1800" dirty="0" smtClean="0">
@@ -7081,7 +7041,7 @@
                   <a:schemeClr val="bg1"/>
                 </a:solidFill>
               </a:rPr>
-              <a:t> /</a:t>
+              <a:t>/</a:t>
             </a:r>
             <a:r>
               <a:rPr lang="en-US" sz="1800" dirty="0" err="1" smtClean="0">
@@ -7089,7 +7049,7 @@
                   <a:schemeClr val="bg1"/>
                 </a:solidFill>
               </a:rPr>
-              <a:t>tmp</a:t>
+              <a:t>gosho</a:t>
             </a:r>
             <a:r>
               <a:rPr lang="en-US" sz="1800" dirty="0" smtClean="0">
@@ -7097,15 +7057,22 @@
                   <a:schemeClr val="bg1"/>
                 </a:solidFill>
               </a:rPr>
-              <a:t>/</a:t>
-            </a:r>
+              <a:t/>
+            </a:r>
+            <a:br>
+              <a:rPr lang="en-US" sz="1800" dirty="0" smtClean="0">
+                <a:solidFill>
+                  <a:schemeClr val="bg1"/>
+                </a:solidFill>
+              </a:rPr>
+            </a:br>
             <a:r>
               <a:rPr lang="en-US" sz="1800" dirty="0" err="1" smtClean="0">
                 <a:solidFill>
                   <a:schemeClr val="bg1"/>
                 </a:solidFill>
               </a:rPr>
-              <a:t>gosho</a:t>
+              <a:t>setfacl</a:t>
             </a:r>
             <a:r>
               <a:rPr lang="en-US" sz="1800" dirty="0" smtClean="0">
@@ -7113,30 +7080,31 @@
                   <a:schemeClr val="bg1"/>
                 </a:solidFill>
               </a:rPr>
-              <a:t/>
-            </a:r>
-            <a:br>
+              <a:t> </a:t>
+            </a:r>
+            <a:r>
               <a:rPr lang="en-US" sz="1800" dirty="0" smtClean="0">
                 <a:solidFill>
                   <a:schemeClr val="bg1"/>
                 </a:solidFill>
               </a:rPr>
-            </a:br>
+              <a:t> -m </a:t>
+            </a:r>
             <a:r>
               <a:rPr lang="en-US" sz="1800" dirty="0" err="1" smtClean="0">
                 <a:solidFill>
                   <a:schemeClr val="bg1"/>
                 </a:solidFill>
               </a:rPr>
-              <a:t>setfacl</a:t>
-            </a:r>
-            <a:r>
-              <a:rPr lang="en-US" sz="1800" dirty="0" smtClean="0">
-                <a:solidFill>
-                  <a:schemeClr val="bg1"/>
-                </a:solidFill>
-              </a:rPr>
-              <a:t> /</a:t>
+              <a:t>u:lisa:r</a:t>
+            </a:r>
+            <a:r>
+              <a:rPr lang="en-US" sz="1800" smtClean="0">
+                <a:solidFill>
+                  <a:schemeClr val="bg1"/>
+                </a:solidFill>
+              </a:rPr>
+              <a:t>  /</a:t>
             </a:r>
             <a:r>
               <a:rPr lang="en-US" sz="1800" dirty="0" err="1" smtClean="0">
